--- a/PPTs/08 Custom Directives.pptx
+++ b/PPTs/08 Custom Directives.pptx
@@ -5,7 +5,7 @@
     <p:sldMasterId id="2147483672" r:id="rId1"/>
   </p:sldMasterIdLst>
   <p:notesMasterIdLst>
-    <p:notesMasterId r:id="rId24"/>
+    <p:notesMasterId r:id="rId28"/>
   </p:notesMasterIdLst>
   <p:sldIdLst>
     <p:sldId id="256" r:id="rId2"/>
@@ -30,6 +30,10 @@
     <p:sldId id="305" r:id="rId21"/>
     <p:sldId id="303" r:id="rId22"/>
     <p:sldId id="304" r:id="rId23"/>
+    <p:sldId id="316" r:id="rId24"/>
+    <p:sldId id="318" r:id="rId25"/>
+    <p:sldId id="317" r:id="rId26"/>
+    <p:sldId id="319" r:id="rId27"/>
   </p:sldIdLst>
   <p:sldSz cx="9144000" cy="6858000" type="screen4x3"/>
   <p:notesSz cx="6858000" cy="9144000"/>
@@ -234,7 +238,7 @@
             <a:fld id="{4991502B-FFA8-47B9-B4E5-980CA415BAFF}" type="datetimeFigureOut">
               <a:rPr lang="en-US" smtClean="0"/>
               <a:pPr/>
-              <a:t>5/28/2017</a:t>
+              <a:t>6/8/2017</a:t>
             </a:fld>
             <a:endParaRPr lang="en-US"/>
           </a:p>
@@ -8651,7 +8655,7 @@
           <a:p>
             <a:r>
               <a:rPr lang="en-US" dirty="0"/>
-              <a:t>Costume Directives</a:t>
+              <a:t>Custom Directives</a:t>
             </a:r>
           </a:p>
         </p:txBody>
@@ -8811,7 +8815,7 @@
           <a:p>
             <a:r>
               <a:rPr lang="en-US" dirty="0"/>
-              <a:t>Costume Directives</a:t>
+              <a:t>Custom Directives</a:t>
             </a:r>
           </a:p>
         </p:txBody>
@@ -10606,7 +10610,7 @@
           <a:p>
             <a:r>
               <a:rPr lang="en-US" dirty="0"/>
-              <a:t>Costume Directives</a:t>
+              <a:t>Custom Directives (If statement)</a:t>
             </a:r>
           </a:p>
         </p:txBody>
@@ -11689,7 +11693,7 @@
           <a:p>
             <a:r>
               <a:rPr lang="en-US" dirty="0"/>
-              <a:t>Costume Directives</a:t>
+              <a:t>Custom Directives(If statement)</a:t>
             </a:r>
           </a:p>
         </p:txBody>
@@ -12403,7 +12407,7 @@
               <a:t>(</a:t>
             </a:r>
             <a:r>
-              <a:rPr kumimoji="0" lang="en-US" altLang="en-US" sz="1400" b="1" i="0" u="none" strike="noStrike" cap="none" normalizeH="0" baseline="0" dirty="0">
+              <a:rPr kumimoji="0" lang="en-US" altLang="en-US" sz="1400" b="1" i="0" u="none" strike="noStrike" cap="none" normalizeH="0" baseline="0" dirty="0" err="1">
                 <a:ln>
                   <a:noFill/>
                 </a:ln>
@@ -12417,6 +12421,20 @@
               <a:t>this</a:t>
             </a:r>
             <a:r>
+              <a:rPr kumimoji="0" lang="en-US" altLang="en-US" sz="1400" b="0" i="0" u="none" strike="noStrike" cap="none" normalizeH="0" baseline="0" dirty="0" err="1">
+                <a:ln>
+                  <a:noFill/>
+                </a:ln>
+                <a:solidFill>
+                  <a:srgbClr val="000000"/>
+                </a:solidFill>
+                <a:effectLst/>
+                <a:latin typeface="Courier New" panose="02070309020205020404" pitchFamily="49" charset="0"/>
+                <a:cs typeface="Courier New" panose="02070309020205020404" pitchFamily="49" charset="0"/>
+              </a:rPr>
+              <a:t>.templateRef</a:t>
+            </a:r>
+            <a:r>
               <a:rPr kumimoji="0" lang="en-US" altLang="en-US" sz="1400" b="0" i="0" u="none" strike="noStrike" cap="none" normalizeH="0" baseline="0" dirty="0">
                 <a:ln>
                   <a:noFill/>
@@ -12428,7 +12446,7 @@
                 <a:latin typeface="Courier New" panose="02070309020205020404" pitchFamily="49" charset="0"/>
                 <a:cs typeface="Courier New" panose="02070309020205020404" pitchFamily="49" charset="0"/>
               </a:rPr>
-              <a:t>.templateRef);</a:t>
+              <a:t>);</a:t>
             </a:r>
             <a:br>
               <a:rPr kumimoji="0" lang="en-US" altLang="en-US" sz="1400" b="0" i="0" u="none" strike="noStrike" cap="none" normalizeH="0" baseline="0" dirty="0">
@@ -13247,7 +13265,7 @@
           <a:p>
             <a:r>
               <a:rPr lang="en-US" dirty="0"/>
-              <a:t>Costume Directives</a:t>
+              <a:t>Custom Directives (If statement)</a:t>
             </a:r>
           </a:p>
         </p:txBody>
@@ -15055,6 +15073,3279 @@
     <p:extLst>
       <p:ext uri="{BB962C8B-B14F-4D97-AF65-F5344CB8AC3E}">
         <p14:creationId xmlns:p14="http://schemas.microsoft.com/office/powerpoint/2010/main" val="455758965"/>
+      </p:ext>
+    </p:extLst>
+  </p:cSld>
+  <p:clrMapOvr>
+    <a:masterClrMapping/>
+  </p:clrMapOvr>
+</p:sld>
+</file>
+
+<file path=ppt/slides/slide23.xml><?xml version="1.0" encoding="utf-8"?>
+<p:sld xmlns:a="http://schemas.openxmlformats.org/drawingml/2006/main" xmlns:r="http://schemas.openxmlformats.org/officeDocument/2006/relationships" xmlns:p="http://schemas.openxmlformats.org/presentationml/2006/main">
+  <p:cSld>
+    <p:spTree>
+      <p:nvGrpSpPr>
+        <p:cNvPr id="1" name=""/>
+        <p:cNvGrpSpPr/>
+        <p:nvPr/>
+      </p:nvGrpSpPr>
+      <p:grpSpPr>
+        <a:xfrm>
+          <a:off x="0" y="0"/>
+          <a:ext cx="0" cy="0"/>
+          <a:chOff x="0" y="0"/>
+          <a:chExt cx="0" cy="0"/>
+        </a:xfrm>
+      </p:grpSpPr>
+      <p:sp>
+        <p:nvSpPr>
+          <p:cNvPr id="2" name="Title 1"/>
+          <p:cNvSpPr>
+            <a:spLocks noGrp="1"/>
+          </p:cNvSpPr>
+          <p:nvPr>
+            <p:ph type="title"/>
+          </p:nvPr>
+        </p:nvSpPr>
+        <p:spPr>
+          <a:xfrm>
+            <a:off x="495300" y="0"/>
+            <a:ext cx="8153400" cy="990600"/>
+          </a:xfrm>
+        </p:spPr>
+        <p:txBody>
+          <a:bodyPr/>
+          <a:lstStyle/>
+          <a:p>
+            <a:r>
+              <a:rPr lang="en-US" dirty="0"/>
+              <a:t>Custom Directives (For)</a:t>
+            </a:r>
+          </a:p>
+        </p:txBody>
+      </p:sp>
+      <p:sp>
+        <p:nvSpPr>
+          <p:cNvPr id="3" name="Footer Placeholder 2"/>
+          <p:cNvSpPr>
+            <a:spLocks noGrp="1"/>
+          </p:cNvSpPr>
+          <p:nvPr>
+            <p:ph type="ftr" sz="quarter" idx="11"/>
+          </p:nvPr>
+        </p:nvSpPr>
+        <p:spPr/>
+        <p:txBody>
+          <a:bodyPr/>
+          <a:lstStyle/>
+          <a:p>
+            <a:r>
+              <a:rPr lang="en-US" dirty="0"/>
+              <a:t>© 2017 Ori Calvo</a:t>
+            </a:r>
+          </a:p>
+        </p:txBody>
+      </p:sp>
+      <p:sp>
+        <p:nvSpPr>
+          <p:cNvPr id="4" name="Slide Number Placeholder 3"/>
+          <p:cNvSpPr>
+            <a:spLocks noGrp="1"/>
+          </p:cNvSpPr>
+          <p:nvPr>
+            <p:ph type="sldNum" sz="quarter" idx="12"/>
+          </p:nvPr>
+        </p:nvSpPr>
+        <p:spPr/>
+        <p:txBody>
+          <a:bodyPr>
+            <a:normAutofit fontScale="85000" lnSpcReduction="20000"/>
+          </a:bodyPr>
+          <a:lstStyle/>
+          <a:p>
+            <a:fld id="{6EDEC3BC-0694-4586-AE63-02B4D54ABF43}" type="slidenum">
+              <a:rPr lang="en-US" smtClean="0"/>
+              <a:pPr/>
+              <a:t>23</a:t>
+            </a:fld>
+            <a:endParaRPr lang="en-US"/>
+          </a:p>
+        </p:txBody>
+      </p:sp>
+      <p:sp>
+        <p:nvSpPr>
+          <p:cNvPr id="6" name="Rectangle 1"/>
+          <p:cNvSpPr>
+            <a:spLocks noChangeArrowheads="1"/>
+          </p:cNvSpPr>
+          <p:nvPr/>
+        </p:nvSpPr>
+        <p:spPr bwMode="auto">
+          <a:xfrm>
+            <a:off x="184380" y="1988840"/>
+            <a:ext cx="8775240" cy="4278094"/>
+          </a:xfrm>
+          <a:prstGeom prst="rect">
+            <a:avLst/>
+          </a:prstGeom>
+          <a:solidFill>
+            <a:srgbClr val="FFFFFF"/>
+          </a:solidFill>
+          <a:ln>
+            <a:noFill/>
+          </a:ln>
+          <a:effectLst/>
+          <a:extLst>
+            <a:ext uri="{91240B29-F687-4F45-9708-019B960494DF}">
+              <a14:hiddenLine xmlns:a14="http://schemas.microsoft.com/office/drawing/2010/main" w="9525">
+                <a:solidFill>
+                  <a:schemeClr val="tx1"/>
+                </a:solidFill>
+                <a:miter lim="800000"/>
+                <a:headEnd/>
+                <a:tailEnd/>
+              </a14:hiddenLine>
+            </a:ext>
+            <a:ext uri="{AF507438-7753-43E0-B8FC-AC1667EBCBE1}">
+              <a14:hiddenEffects xmlns:a14="http://schemas.microsoft.com/office/drawing/2010/main">
+                <a:effectLst>
+                  <a:outerShdw dist="35921" dir="2700000" algn="ctr" rotWithShape="0">
+                    <a:schemeClr val="bg2"/>
+                  </a:outerShdw>
+                </a:effectLst>
+              </a14:hiddenEffects>
+            </a:ext>
+          </a:extLst>
+        </p:spPr>
+        <p:txBody>
+          <a:bodyPr vert="horz" wrap="square" lIns="91440" tIns="45720" rIns="91440" bIns="45720" numCol="1" anchor="ctr" anchorCtr="0" compatLnSpc="1">
+            <a:prstTxWarp prst="textNoShape">
+              <a:avLst/>
+            </a:prstTxWarp>
+            <a:spAutoFit/>
+          </a:bodyPr>
+          <a:lstStyle/>
+          <a:p>
+            <a:pPr marL="0" marR="0" lvl="0" indent="0" algn="l" defTabSz="914400" rtl="0" eaLnBrk="0" fontAlgn="base" latinLnBrk="0" hangingPunct="0">
+              <a:lnSpc>
+                <a:spcPct val="100000"/>
+              </a:lnSpc>
+              <a:spcBef>
+                <a:spcPct val="0"/>
+              </a:spcBef>
+              <a:spcAft>
+                <a:spcPct val="0"/>
+              </a:spcAft>
+              <a:buClrTx/>
+              <a:buSzTx/>
+              <a:buFontTx/>
+              <a:buNone/>
+              <a:tabLst/>
+            </a:pPr>
+            <a:r>
+              <a:rPr kumimoji="0" lang="en-US" altLang="en-US" sz="1600" b="1" i="0" u="none" strike="noStrike" cap="none" normalizeH="0" baseline="0" dirty="0">
+                <a:ln>
+                  <a:noFill/>
+                </a:ln>
+                <a:solidFill>
+                  <a:srgbClr val="000080"/>
+                </a:solidFill>
+                <a:effectLst/>
+                <a:latin typeface="Courier New" panose="02070309020205020404" pitchFamily="49" charset="0"/>
+                <a:cs typeface="Courier New" panose="02070309020205020404" pitchFamily="49" charset="0"/>
+              </a:rPr>
+              <a:t>import </a:t>
+            </a:r>
+            <a:r>
+              <a:rPr kumimoji="0" lang="en-US" altLang="en-US" sz="1600" b="0" i="0" u="none" strike="noStrike" cap="none" normalizeH="0" baseline="0" dirty="0">
+                <a:ln>
+                  <a:noFill/>
+                </a:ln>
+                <a:solidFill>
+                  <a:srgbClr val="000000"/>
+                </a:solidFill>
+                <a:effectLst/>
+                <a:latin typeface="Courier New" panose="02070309020205020404" pitchFamily="49" charset="0"/>
+                <a:cs typeface="Courier New" panose="02070309020205020404" pitchFamily="49" charset="0"/>
+              </a:rPr>
+              <a:t>{ Directive, TemplateRef, ViewContainerRef, Input,} </a:t>
+            </a:r>
+            <a:r>
+              <a:rPr kumimoji="0" lang="en-US" altLang="en-US" sz="1600" b="1" i="0" u="none" strike="noStrike" cap="none" normalizeH="0" baseline="0" dirty="0">
+                <a:ln>
+                  <a:noFill/>
+                </a:ln>
+                <a:solidFill>
+                  <a:srgbClr val="000080"/>
+                </a:solidFill>
+                <a:effectLst/>
+                <a:latin typeface="Courier New" panose="02070309020205020404" pitchFamily="49" charset="0"/>
+                <a:cs typeface="Courier New" panose="02070309020205020404" pitchFamily="49" charset="0"/>
+              </a:rPr>
+              <a:t>from </a:t>
+            </a:r>
+            <a:r>
+              <a:rPr kumimoji="0" lang="en-US" altLang="en-US" sz="1600" b="1" i="0" u="none" strike="noStrike" cap="none" normalizeH="0" baseline="0" dirty="0">
+                <a:ln>
+                  <a:noFill/>
+                </a:ln>
+                <a:solidFill>
+                  <a:srgbClr val="008000"/>
+                </a:solidFill>
+                <a:effectLst/>
+                <a:latin typeface="Courier New" panose="02070309020205020404" pitchFamily="49" charset="0"/>
+                <a:cs typeface="Courier New" panose="02070309020205020404" pitchFamily="49" charset="0"/>
+              </a:rPr>
+              <a:t>'@angular/core'</a:t>
+            </a:r>
+            <a:r>
+              <a:rPr kumimoji="0" lang="en-US" altLang="en-US" sz="1600" b="0" i="0" u="none" strike="noStrike" cap="none" normalizeH="0" baseline="0" dirty="0">
+                <a:ln>
+                  <a:noFill/>
+                </a:ln>
+                <a:solidFill>
+                  <a:srgbClr val="000000"/>
+                </a:solidFill>
+                <a:effectLst/>
+                <a:latin typeface="Courier New" panose="02070309020205020404" pitchFamily="49" charset="0"/>
+                <a:cs typeface="Courier New" panose="02070309020205020404" pitchFamily="49" charset="0"/>
+              </a:rPr>
+              <a:t>;</a:t>
+            </a:r>
+            <a:br>
+              <a:rPr kumimoji="0" lang="en-US" altLang="en-US" sz="1600" b="0" i="0" u="none" strike="noStrike" cap="none" normalizeH="0" baseline="0" dirty="0">
+                <a:ln>
+                  <a:noFill/>
+                </a:ln>
+                <a:solidFill>
+                  <a:srgbClr val="000000"/>
+                </a:solidFill>
+                <a:effectLst/>
+                <a:latin typeface="Courier New" panose="02070309020205020404" pitchFamily="49" charset="0"/>
+                <a:cs typeface="Courier New" panose="02070309020205020404" pitchFamily="49" charset="0"/>
+              </a:rPr>
+            </a:br>
+            <a:br>
+              <a:rPr kumimoji="0" lang="en-US" altLang="en-US" sz="1600" b="0" i="0" u="none" strike="noStrike" cap="none" normalizeH="0" baseline="0" dirty="0">
+                <a:ln>
+                  <a:noFill/>
+                </a:ln>
+                <a:solidFill>
+                  <a:srgbClr val="000000"/>
+                </a:solidFill>
+                <a:effectLst/>
+                <a:latin typeface="Courier New" panose="02070309020205020404" pitchFamily="49" charset="0"/>
+                <a:cs typeface="Courier New" panose="02070309020205020404" pitchFamily="49" charset="0"/>
+              </a:rPr>
+            </a:br>
+            <a:r>
+              <a:rPr kumimoji="0" lang="en-US" altLang="en-US" sz="1600" b="0" i="0" u="none" strike="noStrike" cap="none" normalizeH="0" baseline="0" dirty="0">
+                <a:ln>
+                  <a:noFill/>
+                </a:ln>
+                <a:solidFill>
+                  <a:srgbClr val="000000"/>
+                </a:solidFill>
+                <a:effectLst/>
+                <a:latin typeface="Courier New" panose="02070309020205020404" pitchFamily="49" charset="0"/>
+                <a:cs typeface="Courier New" panose="02070309020205020404" pitchFamily="49" charset="0"/>
+              </a:rPr>
+              <a:t>@Directive({</a:t>
+            </a:r>
+            <a:br>
+              <a:rPr kumimoji="0" lang="en-US" altLang="en-US" sz="1600" b="0" i="0" u="none" strike="noStrike" cap="none" normalizeH="0" baseline="0" dirty="0">
+                <a:ln>
+                  <a:noFill/>
+                </a:ln>
+                <a:solidFill>
+                  <a:srgbClr val="000000"/>
+                </a:solidFill>
+                <a:effectLst/>
+                <a:latin typeface="Courier New" panose="02070309020205020404" pitchFamily="49" charset="0"/>
+                <a:cs typeface="Courier New" panose="02070309020205020404" pitchFamily="49" charset="0"/>
+              </a:rPr>
+            </a:br>
+            <a:r>
+              <a:rPr kumimoji="0" lang="en-US" altLang="en-US" sz="1600" b="0" i="0" u="none" strike="noStrike" cap="none" normalizeH="0" baseline="0" dirty="0">
+                <a:ln>
+                  <a:noFill/>
+                </a:ln>
+                <a:solidFill>
+                  <a:srgbClr val="000000"/>
+                </a:solidFill>
+                <a:effectLst/>
+                <a:latin typeface="Courier New" panose="02070309020205020404" pitchFamily="49" charset="0"/>
+                <a:cs typeface="Courier New" panose="02070309020205020404" pitchFamily="49" charset="0"/>
+              </a:rPr>
+              <a:t>  </a:t>
+            </a:r>
+            <a:r>
+              <a:rPr kumimoji="0" lang="en-US" altLang="en-US" sz="1600" b="1" i="0" u="none" strike="noStrike" cap="none" normalizeH="0" baseline="0" dirty="0">
+                <a:ln>
+                  <a:noFill/>
+                </a:ln>
+                <a:solidFill>
+                  <a:srgbClr val="660E7A"/>
+                </a:solidFill>
+                <a:effectLst/>
+                <a:latin typeface="Courier New" panose="02070309020205020404" pitchFamily="49" charset="0"/>
+                <a:cs typeface="Courier New" panose="02070309020205020404" pitchFamily="49" charset="0"/>
+              </a:rPr>
+              <a:t>selector</a:t>
+            </a:r>
+            <a:r>
+              <a:rPr kumimoji="0" lang="en-US" altLang="en-US" sz="1600" b="0" i="0" u="none" strike="noStrike" cap="none" normalizeH="0" baseline="0" dirty="0">
+                <a:ln>
+                  <a:noFill/>
+                </a:ln>
+                <a:solidFill>
+                  <a:srgbClr val="000000"/>
+                </a:solidFill>
+                <a:effectLst/>
+                <a:latin typeface="Courier New" panose="02070309020205020404" pitchFamily="49" charset="0"/>
+                <a:cs typeface="Courier New" panose="02070309020205020404" pitchFamily="49" charset="0"/>
+              </a:rPr>
+              <a:t>: </a:t>
+            </a:r>
+            <a:r>
+              <a:rPr kumimoji="0" lang="en-US" altLang="en-US" sz="1600" b="1" i="0" u="none" strike="noStrike" cap="none" normalizeH="0" baseline="0" dirty="0">
+                <a:ln>
+                  <a:noFill/>
+                </a:ln>
+                <a:solidFill>
+                  <a:srgbClr val="008000"/>
+                </a:solidFill>
+                <a:effectLst/>
+                <a:latin typeface="Courier New" panose="02070309020205020404" pitchFamily="49" charset="0"/>
+                <a:cs typeface="Courier New" panose="02070309020205020404" pitchFamily="49" charset="0"/>
+              </a:rPr>
+              <a:t>'[appMyLoop]'</a:t>
+            </a:r>
+            <a:br>
+              <a:rPr kumimoji="0" lang="en-US" altLang="en-US" sz="1600" b="1" i="0" u="none" strike="noStrike" cap="none" normalizeH="0" baseline="0" dirty="0">
+                <a:ln>
+                  <a:noFill/>
+                </a:ln>
+                <a:solidFill>
+                  <a:srgbClr val="008000"/>
+                </a:solidFill>
+                <a:effectLst/>
+                <a:latin typeface="Courier New" panose="02070309020205020404" pitchFamily="49" charset="0"/>
+                <a:cs typeface="Courier New" panose="02070309020205020404" pitchFamily="49" charset="0"/>
+              </a:rPr>
+            </a:br>
+            <a:r>
+              <a:rPr kumimoji="0" lang="en-US" altLang="en-US" sz="1600" b="0" i="0" u="none" strike="noStrike" cap="none" normalizeH="0" baseline="0" dirty="0">
+                <a:ln>
+                  <a:noFill/>
+                </a:ln>
+                <a:solidFill>
+                  <a:srgbClr val="000000"/>
+                </a:solidFill>
+                <a:effectLst/>
+                <a:latin typeface="Courier New" panose="02070309020205020404" pitchFamily="49" charset="0"/>
+                <a:cs typeface="Courier New" panose="02070309020205020404" pitchFamily="49" charset="0"/>
+              </a:rPr>
+              <a:t>})</a:t>
+            </a:r>
+            <a:br>
+              <a:rPr kumimoji="0" lang="en-US" altLang="en-US" sz="1600" b="0" i="0" u="none" strike="noStrike" cap="none" normalizeH="0" baseline="0" dirty="0">
+                <a:ln>
+                  <a:noFill/>
+                </a:ln>
+                <a:solidFill>
+                  <a:srgbClr val="000000"/>
+                </a:solidFill>
+                <a:effectLst/>
+                <a:latin typeface="Courier New" panose="02070309020205020404" pitchFamily="49" charset="0"/>
+                <a:cs typeface="Courier New" panose="02070309020205020404" pitchFamily="49" charset="0"/>
+              </a:rPr>
+            </a:br>
+            <a:r>
+              <a:rPr kumimoji="0" lang="en-US" altLang="en-US" sz="1600" b="1" i="0" u="none" strike="noStrike" cap="none" normalizeH="0" baseline="0" dirty="0">
+                <a:ln>
+                  <a:noFill/>
+                </a:ln>
+                <a:solidFill>
+                  <a:srgbClr val="000080"/>
+                </a:solidFill>
+                <a:effectLst/>
+                <a:latin typeface="Courier New" panose="02070309020205020404" pitchFamily="49" charset="0"/>
+                <a:cs typeface="Courier New" panose="02070309020205020404" pitchFamily="49" charset="0"/>
+              </a:rPr>
+              <a:t>export class </a:t>
+            </a:r>
+            <a:r>
+              <a:rPr kumimoji="0" lang="en-US" altLang="en-US" sz="1600" b="0" i="0" u="none" strike="noStrike" cap="none" normalizeH="0" baseline="0" dirty="0">
+                <a:ln>
+                  <a:noFill/>
+                </a:ln>
+                <a:solidFill>
+                  <a:srgbClr val="000000"/>
+                </a:solidFill>
+                <a:effectLst/>
+                <a:latin typeface="Courier New" panose="02070309020205020404" pitchFamily="49" charset="0"/>
+                <a:cs typeface="Courier New" panose="02070309020205020404" pitchFamily="49" charset="0"/>
+              </a:rPr>
+              <a:t>MyLoopDirective {</a:t>
+            </a:r>
+            <a:br>
+              <a:rPr kumimoji="0" lang="en-US" altLang="en-US" sz="1600" b="0" i="0" u="none" strike="noStrike" cap="none" normalizeH="0" baseline="0" dirty="0">
+                <a:ln>
+                  <a:noFill/>
+                </a:ln>
+                <a:solidFill>
+                  <a:srgbClr val="000000"/>
+                </a:solidFill>
+                <a:effectLst/>
+                <a:latin typeface="Courier New" panose="02070309020205020404" pitchFamily="49" charset="0"/>
+                <a:cs typeface="Courier New" panose="02070309020205020404" pitchFamily="49" charset="0"/>
+              </a:rPr>
+            </a:br>
+            <a:br>
+              <a:rPr kumimoji="0" lang="en-US" altLang="en-US" sz="1600" b="0" i="0" u="none" strike="noStrike" cap="none" normalizeH="0" baseline="0" dirty="0">
+                <a:ln>
+                  <a:noFill/>
+                </a:ln>
+                <a:solidFill>
+                  <a:srgbClr val="000000"/>
+                </a:solidFill>
+                <a:effectLst/>
+                <a:latin typeface="Courier New" panose="02070309020205020404" pitchFamily="49" charset="0"/>
+                <a:cs typeface="Courier New" panose="02070309020205020404" pitchFamily="49" charset="0"/>
+              </a:rPr>
+            </a:br>
+            <a:r>
+              <a:rPr kumimoji="0" lang="en-US" altLang="en-US" sz="1600" b="0" i="0" u="none" strike="noStrike" cap="none" normalizeH="0" baseline="0" dirty="0">
+                <a:ln>
+                  <a:noFill/>
+                </a:ln>
+                <a:solidFill>
+                  <a:srgbClr val="000000"/>
+                </a:solidFill>
+                <a:effectLst/>
+                <a:latin typeface="Courier New" panose="02070309020205020404" pitchFamily="49" charset="0"/>
+                <a:cs typeface="Courier New" panose="02070309020205020404" pitchFamily="49" charset="0"/>
+              </a:rPr>
+              <a:t>  </a:t>
+            </a:r>
+            <a:r>
+              <a:rPr kumimoji="0" lang="en-US" altLang="en-US" sz="1600" b="1" i="0" u="none" strike="noStrike" cap="none" normalizeH="0" baseline="0" dirty="0">
+                <a:ln>
+                  <a:noFill/>
+                </a:ln>
+                <a:solidFill>
+                  <a:srgbClr val="000080"/>
+                </a:solidFill>
+                <a:effectLst/>
+                <a:latin typeface="Courier New" panose="02070309020205020404" pitchFamily="49" charset="0"/>
+                <a:cs typeface="Courier New" panose="02070309020205020404" pitchFamily="49" charset="0"/>
+              </a:rPr>
+              <a:t>constructor</a:t>
+            </a:r>
+            <a:r>
+              <a:rPr kumimoji="0" lang="en-US" altLang="en-US" sz="1600" b="0" i="0" u="none" strike="noStrike" cap="none" normalizeH="0" baseline="0" dirty="0">
+                <a:ln>
+                  <a:noFill/>
+                </a:ln>
+                <a:solidFill>
+                  <a:srgbClr val="000000"/>
+                </a:solidFill>
+                <a:effectLst/>
+                <a:latin typeface="Courier New" panose="02070309020205020404" pitchFamily="49" charset="0"/>
+                <a:cs typeface="Courier New" panose="02070309020205020404" pitchFamily="49" charset="0"/>
+              </a:rPr>
+              <a:t>(</a:t>
+            </a:r>
+            <a:r>
+              <a:rPr kumimoji="0" lang="en-US" altLang="en-US" sz="1600" b="1" i="0" u="none" strike="noStrike" cap="none" normalizeH="0" baseline="0" dirty="0">
+                <a:ln>
+                  <a:noFill/>
+                </a:ln>
+                <a:solidFill>
+                  <a:srgbClr val="000080"/>
+                </a:solidFill>
+                <a:effectLst/>
+                <a:latin typeface="Courier New" panose="02070309020205020404" pitchFamily="49" charset="0"/>
+                <a:cs typeface="Courier New" panose="02070309020205020404" pitchFamily="49" charset="0"/>
+              </a:rPr>
+              <a:t>private </a:t>
+            </a:r>
+            <a:r>
+              <a:rPr kumimoji="0" lang="en-US" altLang="en-US" sz="1600" b="0" i="0" u="none" strike="noStrike" cap="none" normalizeH="0" baseline="0" dirty="0">
+                <a:ln>
+                  <a:noFill/>
+                </a:ln>
+                <a:solidFill>
+                  <a:srgbClr val="000000"/>
+                </a:solidFill>
+                <a:effectLst/>
+                <a:latin typeface="Courier New" panose="02070309020205020404" pitchFamily="49" charset="0"/>
+                <a:cs typeface="Courier New" panose="02070309020205020404" pitchFamily="49" charset="0"/>
+              </a:rPr>
+              <a:t>templateRef: TemplateRef&lt;</a:t>
+            </a:r>
+            <a:r>
+              <a:rPr kumimoji="0" lang="en-US" altLang="en-US" sz="1600" b="1" i="0" u="none" strike="noStrike" cap="none" normalizeH="0" baseline="0" dirty="0">
+                <a:ln>
+                  <a:noFill/>
+                </a:ln>
+                <a:solidFill>
+                  <a:srgbClr val="000080"/>
+                </a:solidFill>
+                <a:effectLst/>
+                <a:latin typeface="Courier New" panose="02070309020205020404" pitchFamily="49" charset="0"/>
+                <a:cs typeface="Courier New" panose="02070309020205020404" pitchFamily="49" charset="0"/>
+              </a:rPr>
+              <a:t>any</a:t>
+            </a:r>
+            <a:r>
+              <a:rPr kumimoji="0" lang="en-US" altLang="en-US" sz="1600" b="0" i="0" u="none" strike="noStrike" cap="none" normalizeH="0" baseline="0" dirty="0">
+                <a:ln>
+                  <a:noFill/>
+                </a:ln>
+                <a:solidFill>
+                  <a:srgbClr val="000000"/>
+                </a:solidFill>
+                <a:effectLst/>
+                <a:latin typeface="Courier New" panose="02070309020205020404" pitchFamily="49" charset="0"/>
+                <a:cs typeface="Courier New" panose="02070309020205020404" pitchFamily="49" charset="0"/>
+              </a:rPr>
+              <a:t>&gt;,</a:t>
+            </a:r>
+            <a:br>
+              <a:rPr kumimoji="0" lang="en-US" altLang="en-US" sz="1600" b="0" i="0" u="none" strike="noStrike" cap="none" normalizeH="0" baseline="0" dirty="0">
+                <a:ln>
+                  <a:noFill/>
+                </a:ln>
+                <a:solidFill>
+                  <a:srgbClr val="000000"/>
+                </a:solidFill>
+                <a:effectLst/>
+                <a:latin typeface="Courier New" panose="02070309020205020404" pitchFamily="49" charset="0"/>
+                <a:cs typeface="Courier New" panose="02070309020205020404" pitchFamily="49" charset="0"/>
+              </a:rPr>
+            </a:br>
+            <a:r>
+              <a:rPr kumimoji="0" lang="en-US" altLang="en-US" sz="1600" b="0" i="0" u="none" strike="noStrike" cap="none" normalizeH="0" baseline="0" dirty="0">
+                <a:ln>
+                  <a:noFill/>
+                </a:ln>
+                <a:solidFill>
+                  <a:srgbClr val="000000"/>
+                </a:solidFill>
+                <a:effectLst/>
+                <a:latin typeface="Courier New" panose="02070309020205020404" pitchFamily="49" charset="0"/>
+                <a:cs typeface="Courier New" panose="02070309020205020404" pitchFamily="49" charset="0"/>
+              </a:rPr>
+              <a:t>              </a:t>
+            </a:r>
+            <a:r>
+              <a:rPr kumimoji="0" lang="en-US" altLang="en-US" sz="1600" b="1" i="0" u="none" strike="noStrike" cap="none" normalizeH="0" baseline="0" dirty="0">
+                <a:ln>
+                  <a:noFill/>
+                </a:ln>
+                <a:solidFill>
+                  <a:srgbClr val="000080"/>
+                </a:solidFill>
+                <a:effectLst/>
+                <a:latin typeface="Courier New" panose="02070309020205020404" pitchFamily="49" charset="0"/>
+                <a:cs typeface="Courier New" panose="02070309020205020404" pitchFamily="49" charset="0"/>
+              </a:rPr>
+              <a:t>private </a:t>
+            </a:r>
+            <a:r>
+              <a:rPr kumimoji="0" lang="en-US" altLang="en-US" sz="1600" b="0" i="0" u="none" strike="noStrike" cap="none" normalizeH="0" baseline="0" dirty="0">
+                <a:ln>
+                  <a:noFill/>
+                </a:ln>
+                <a:solidFill>
+                  <a:srgbClr val="000000"/>
+                </a:solidFill>
+                <a:effectLst/>
+                <a:latin typeface="Courier New" panose="02070309020205020404" pitchFamily="49" charset="0"/>
+                <a:cs typeface="Courier New" panose="02070309020205020404" pitchFamily="49" charset="0"/>
+              </a:rPr>
+              <a:t>viewContainer: ViewContainerRef,) { }</a:t>
+            </a:r>
+            <a:br>
+              <a:rPr kumimoji="0" lang="en-US" altLang="en-US" sz="1600" b="0" i="0" u="none" strike="noStrike" cap="none" normalizeH="0" baseline="0" dirty="0">
+                <a:ln>
+                  <a:noFill/>
+                </a:ln>
+                <a:solidFill>
+                  <a:srgbClr val="000000"/>
+                </a:solidFill>
+                <a:effectLst/>
+                <a:latin typeface="Courier New" panose="02070309020205020404" pitchFamily="49" charset="0"/>
+                <a:cs typeface="Courier New" panose="02070309020205020404" pitchFamily="49" charset="0"/>
+              </a:rPr>
+            </a:br>
+            <a:br>
+              <a:rPr kumimoji="0" lang="en-US" altLang="en-US" sz="1600" b="0" i="0" u="none" strike="noStrike" cap="none" normalizeH="0" baseline="0" dirty="0">
+                <a:ln>
+                  <a:noFill/>
+                </a:ln>
+                <a:solidFill>
+                  <a:srgbClr val="000000"/>
+                </a:solidFill>
+                <a:effectLst/>
+                <a:latin typeface="Courier New" panose="02070309020205020404" pitchFamily="49" charset="0"/>
+                <a:cs typeface="Courier New" panose="02070309020205020404" pitchFamily="49" charset="0"/>
+              </a:rPr>
+            </a:br>
+            <a:r>
+              <a:rPr kumimoji="0" lang="en-US" altLang="en-US" sz="1600" b="0" i="0" u="none" strike="noStrike" cap="none" normalizeH="0" baseline="0" dirty="0">
+                <a:ln>
+                  <a:noFill/>
+                </a:ln>
+                <a:solidFill>
+                  <a:srgbClr val="000000"/>
+                </a:solidFill>
+                <a:effectLst/>
+                <a:latin typeface="Courier New" panose="02070309020205020404" pitchFamily="49" charset="0"/>
+                <a:cs typeface="Courier New" panose="02070309020205020404" pitchFamily="49" charset="0"/>
+              </a:rPr>
+              <a:t>  @Input(</a:t>
+            </a:r>
+            <a:r>
+              <a:rPr kumimoji="0" lang="en-US" altLang="en-US" sz="1600" b="1" i="0" u="none" strike="noStrike" cap="none" normalizeH="0" baseline="0" dirty="0">
+                <a:ln>
+                  <a:noFill/>
+                </a:ln>
+                <a:solidFill>
+                  <a:srgbClr val="008000"/>
+                </a:solidFill>
+                <a:effectLst/>
+                <a:latin typeface="Courier New" panose="02070309020205020404" pitchFamily="49" charset="0"/>
+                <a:cs typeface="Courier New" panose="02070309020205020404" pitchFamily="49" charset="0"/>
+              </a:rPr>
+              <a:t>'appMyLoop'</a:t>
+            </a:r>
+            <a:r>
+              <a:rPr kumimoji="0" lang="en-US" altLang="en-US" sz="1600" b="0" i="0" u="none" strike="noStrike" cap="none" normalizeH="0" baseline="0" dirty="0">
+                <a:ln>
+                  <a:noFill/>
+                </a:ln>
+                <a:solidFill>
+                  <a:srgbClr val="000000"/>
+                </a:solidFill>
+                <a:effectLst/>
+                <a:latin typeface="Courier New" panose="02070309020205020404" pitchFamily="49" charset="0"/>
+                <a:cs typeface="Courier New" panose="02070309020205020404" pitchFamily="49" charset="0"/>
+              </a:rPr>
+              <a:t>) </a:t>
+            </a:r>
+            <a:r>
+              <a:rPr kumimoji="0" lang="en-US" altLang="en-US" sz="1600" b="1" i="0" u="none" strike="noStrike" cap="none" normalizeH="0" baseline="0" dirty="0">
+                <a:ln>
+                  <a:noFill/>
+                </a:ln>
+                <a:solidFill>
+                  <a:srgbClr val="000080"/>
+                </a:solidFill>
+                <a:effectLst/>
+                <a:latin typeface="Courier New" panose="02070309020205020404" pitchFamily="49" charset="0"/>
+                <a:cs typeface="Courier New" panose="02070309020205020404" pitchFamily="49" charset="0"/>
+              </a:rPr>
+              <a:t>set </a:t>
+            </a:r>
+            <a:r>
+              <a:rPr kumimoji="0" lang="en-US" altLang="en-US" sz="1600" b="0" i="0" u="none" strike="noStrike" cap="none" normalizeH="0" baseline="0" dirty="0">
+                <a:ln>
+                  <a:noFill/>
+                </a:ln>
+                <a:solidFill>
+                  <a:srgbClr val="7A7A43"/>
+                </a:solidFill>
+                <a:effectLst/>
+                <a:latin typeface="Courier New" panose="02070309020205020404" pitchFamily="49" charset="0"/>
+                <a:cs typeface="Courier New" panose="02070309020205020404" pitchFamily="49" charset="0"/>
+              </a:rPr>
+              <a:t>loop</a:t>
+            </a:r>
+            <a:r>
+              <a:rPr kumimoji="0" lang="en-US" altLang="en-US" sz="1600" b="0" i="0" u="none" strike="noStrike" cap="none" normalizeH="0" baseline="0" dirty="0">
+                <a:ln>
+                  <a:noFill/>
+                </a:ln>
+                <a:solidFill>
+                  <a:srgbClr val="000000"/>
+                </a:solidFill>
+                <a:effectLst/>
+                <a:latin typeface="Courier New" panose="02070309020205020404" pitchFamily="49" charset="0"/>
+                <a:cs typeface="Courier New" panose="02070309020205020404" pitchFamily="49" charset="0"/>
+              </a:rPr>
+              <a:t>(num:</a:t>
+            </a:r>
+            <a:r>
+              <a:rPr kumimoji="0" lang="en-US" altLang="en-US" sz="1600" b="1" i="0" u="none" strike="noStrike" cap="none" normalizeH="0" baseline="0" dirty="0">
+                <a:ln>
+                  <a:noFill/>
+                </a:ln>
+                <a:solidFill>
+                  <a:srgbClr val="000080"/>
+                </a:solidFill>
+                <a:effectLst/>
+                <a:latin typeface="Courier New" panose="02070309020205020404" pitchFamily="49" charset="0"/>
+                <a:cs typeface="Courier New" panose="02070309020205020404" pitchFamily="49" charset="0"/>
+              </a:rPr>
+              <a:t>number</a:t>
+            </a:r>
+            <a:r>
+              <a:rPr kumimoji="0" lang="en-US" altLang="en-US" sz="1600" b="0" i="0" u="none" strike="noStrike" cap="none" normalizeH="0" baseline="0" dirty="0">
+                <a:ln>
+                  <a:noFill/>
+                </a:ln>
+                <a:solidFill>
+                  <a:srgbClr val="000000"/>
+                </a:solidFill>
+                <a:effectLst/>
+                <a:latin typeface="Courier New" panose="02070309020205020404" pitchFamily="49" charset="0"/>
+                <a:cs typeface="Courier New" panose="02070309020205020404" pitchFamily="49" charset="0"/>
+              </a:rPr>
+              <a:t>) {</a:t>
+            </a:r>
+            <a:br>
+              <a:rPr kumimoji="0" lang="en-US" altLang="en-US" sz="1600" b="0" i="0" u="none" strike="noStrike" cap="none" normalizeH="0" baseline="0" dirty="0">
+                <a:ln>
+                  <a:noFill/>
+                </a:ln>
+                <a:solidFill>
+                  <a:srgbClr val="000000"/>
+                </a:solidFill>
+                <a:effectLst/>
+                <a:latin typeface="Courier New" panose="02070309020205020404" pitchFamily="49" charset="0"/>
+                <a:cs typeface="Courier New" panose="02070309020205020404" pitchFamily="49" charset="0"/>
+              </a:rPr>
+            </a:br>
+            <a:r>
+              <a:rPr kumimoji="0" lang="en-US" altLang="en-US" sz="1600" b="0" i="0" u="none" strike="noStrike" cap="none" normalizeH="0" baseline="0" dirty="0">
+                <a:ln>
+                  <a:noFill/>
+                </a:ln>
+                <a:solidFill>
+                  <a:srgbClr val="000000"/>
+                </a:solidFill>
+                <a:effectLst/>
+                <a:latin typeface="Courier New" panose="02070309020205020404" pitchFamily="49" charset="0"/>
+                <a:cs typeface="Courier New" panose="02070309020205020404" pitchFamily="49" charset="0"/>
+              </a:rPr>
+              <a:t>    </a:t>
+            </a:r>
+            <a:r>
+              <a:rPr kumimoji="0" lang="en-US" altLang="en-US" sz="1600" b="1" i="0" u="none" strike="noStrike" cap="none" normalizeH="0" baseline="0" dirty="0">
+                <a:ln>
+                  <a:noFill/>
+                </a:ln>
+                <a:solidFill>
+                  <a:srgbClr val="000080"/>
+                </a:solidFill>
+                <a:effectLst/>
+                <a:latin typeface="Courier New" panose="02070309020205020404" pitchFamily="49" charset="0"/>
+                <a:cs typeface="Courier New" panose="02070309020205020404" pitchFamily="49" charset="0"/>
+              </a:rPr>
+              <a:t>for</a:t>
+            </a:r>
+            <a:r>
+              <a:rPr kumimoji="0" lang="en-US" altLang="en-US" sz="1600" b="0" i="0" u="none" strike="noStrike" cap="none" normalizeH="0" baseline="0" dirty="0">
+                <a:ln>
+                  <a:noFill/>
+                </a:ln>
+                <a:solidFill>
+                  <a:srgbClr val="000000"/>
+                </a:solidFill>
+                <a:effectLst/>
+                <a:latin typeface="Courier New" panose="02070309020205020404" pitchFamily="49" charset="0"/>
+                <a:cs typeface="Courier New" panose="02070309020205020404" pitchFamily="49" charset="0"/>
+              </a:rPr>
+              <a:t>(</a:t>
+            </a:r>
+            <a:r>
+              <a:rPr kumimoji="0" lang="en-US" altLang="en-US" sz="1600" b="1" i="0" u="none" strike="noStrike" cap="none" normalizeH="0" baseline="0" dirty="0">
+                <a:ln>
+                  <a:noFill/>
+                </a:ln>
+                <a:solidFill>
+                  <a:srgbClr val="000080"/>
+                </a:solidFill>
+                <a:effectLst/>
+                <a:latin typeface="Courier New" panose="02070309020205020404" pitchFamily="49" charset="0"/>
+                <a:cs typeface="Courier New" panose="02070309020205020404" pitchFamily="49" charset="0"/>
+              </a:rPr>
+              <a:t>let </a:t>
+            </a:r>
+            <a:r>
+              <a:rPr kumimoji="0" lang="en-US" altLang="en-US" sz="1600" b="0" i="0" u="none" strike="noStrike" cap="none" normalizeH="0" baseline="0" dirty="0">
+                <a:ln>
+                  <a:noFill/>
+                </a:ln>
+                <a:solidFill>
+                  <a:srgbClr val="458383"/>
+                </a:solidFill>
+                <a:effectLst/>
+                <a:latin typeface="Courier New" panose="02070309020205020404" pitchFamily="49" charset="0"/>
+                <a:cs typeface="Courier New" panose="02070309020205020404" pitchFamily="49" charset="0"/>
+              </a:rPr>
+              <a:t>i</a:t>
+            </a:r>
+            <a:r>
+              <a:rPr kumimoji="0" lang="en-US" altLang="en-US" sz="1600" b="0" i="0" u="none" strike="noStrike" cap="none" normalizeH="0" baseline="0" dirty="0">
+                <a:ln>
+                  <a:noFill/>
+                </a:ln>
+                <a:solidFill>
+                  <a:srgbClr val="000000"/>
+                </a:solidFill>
+                <a:effectLst/>
+                <a:latin typeface="Courier New" panose="02070309020205020404" pitchFamily="49" charset="0"/>
+                <a:cs typeface="Courier New" panose="02070309020205020404" pitchFamily="49" charset="0"/>
+              </a:rPr>
+              <a:t>=</a:t>
+            </a:r>
+            <a:r>
+              <a:rPr kumimoji="0" lang="en-US" altLang="en-US" sz="1600" b="0" i="0" u="none" strike="noStrike" cap="none" normalizeH="0" baseline="0" dirty="0">
+                <a:ln>
+                  <a:noFill/>
+                </a:ln>
+                <a:solidFill>
+                  <a:srgbClr val="0000FF"/>
+                </a:solidFill>
+                <a:effectLst/>
+                <a:latin typeface="Courier New" panose="02070309020205020404" pitchFamily="49" charset="0"/>
+                <a:cs typeface="Courier New" panose="02070309020205020404" pitchFamily="49" charset="0"/>
+              </a:rPr>
+              <a:t>0</a:t>
+            </a:r>
+            <a:r>
+              <a:rPr kumimoji="0" lang="en-US" altLang="en-US" sz="1600" b="0" i="0" u="none" strike="noStrike" cap="none" normalizeH="0" baseline="0" dirty="0">
+                <a:ln>
+                  <a:noFill/>
+                </a:ln>
+                <a:solidFill>
+                  <a:srgbClr val="000000"/>
+                </a:solidFill>
+                <a:effectLst/>
+                <a:latin typeface="Courier New" panose="02070309020205020404" pitchFamily="49" charset="0"/>
+                <a:cs typeface="Courier New" panose="02070309020205020404" pitchFamily="49" charset="0"/>
+              </a:rPr>
+              <a:t>; </a:t>
+            </a:r>
+            <a:r>
+              <a:rPr kumimoji="0" lang="en-US" altLang="en-US" sz="1600" b="0" i="0" u="none" strike="noStrike" cap="none" normalizeH="0" baseline="0" dirty="0">
+                <a:ln>
+                  <a:noFill/>
+                </a:ln>
+                <a:solidFill>
+                  <a:srgbClr val="458383"/>
+                </a:solidFill>
+                <a:effectLst/>
+                <a:latin typeface="Courier New" panose="02070309020205020404" pitchFamily="49" charset="0"/>
+                <a:cs typeface="Courier New" panose="02070309020205020404" pitchFamily="49" charset="0"/>
+              </a:rPr>
+              <a:t>i </a:t>
+            </a:r>
+            <a:r>
+              <a:rPr kumimoji="0" lang="en-US" altLang="en-US" sz="1600" b="0" i="0" u="none" strike="noStrike" cap="none" normalizeH="0" baseline="0" dirty="0">
+                <a:ln>
+                  <a:noFill/>
+                </a:ln>
+                <a:solidFill>
+                  <a:srgbClr val="000000"/>
+                </a:solidFill>
+                <a:effectLst/>
+                <a:latin typeface="Courier New" panose="02070309020205020404" pitchFamily="49" charset="0"/>
+                <a:cs typeface="Courier New" panose="02070309020205020404" pitchFamily="49" charset="0"/>
+              </a:rPr>
+              <a:t>&lt; num; </a:t>
+            </a:r>
+            <a:r>
+              <a:rPr kumimoji="0" lang="en-US" altLang="en-US" sz="1600" b="0" i="0" u="none" strike="noStrike" cap="none" normalizeH="0" baseline="0" dirty="0">
+                <a:ln>
+                  <a:noFill/>
+                </a:ln>
+                <a:solidFill>
+                  <a:srgbClr val="458383"/>
+                </a:solidFill>
+                <a:effectLst/>
+                <a:latin typeface="Courier New" panose="02070309020205020404" pitchFamily="49" charset="0"/>
+                <a:cs typeface="Courier New" panose="02070309020205020404" pitchFamily="49" charset="0"/>
+              </a:rPr>
+              <a:t>i</a:t>
+            </a:r>
+            <a:r>
+              <a:rPr kumimoji="0" lang="en-US" altLang="en-US" sz="1600" b="0" i="0" u="none" strike="noStrike" cap="none" normalizeH="0" baseline="0" dirty="0">
+                <a:ln>
+                  <a:noFill/>
+                </a:ln>
+                <a:solidFill>
+                  <a:srgbClr val="000000"/>
+                </a:solidFill>
+                <a:effectLst/>
+                <a:latin typeface="Courier New" panose="02070309020205020404" pitchFamily="49" charset="0"/>
+                <a:cs typeface="Courier New" panose="02070309020205020404" pitchFamily="49" charset="0"/>
+              </a:rPr>
+              <a:t>++) {</a:t>
+            </a:r>
+            <a:br>
+              <a:rPr kumimoji="0" lang="en-US" altLang="en-US" sz="1600" b="0" i="0" u="none" strike="noStrike" cap="none" normalizeH="0" baseline="0" dirty="0">
+                <a:ln>
+                  <a:noFill/>
+                </a:ln>
+                <a:solidFill>
+                  <a:srgbClr val="000000"/>
+                </a:solidFill>
+                <a:effectLst/>
+                <a:latin typeface="Courier New" panose="02070309020205020404" pitchFamily="49" charset="0"/>
+                <a:cs typeface="Courier New" panose="02070309020205020404" pitchFamily="49" charset="0"/>
+              </a:rPr>
+            </a:br>
+            <a:r>
+              <a:rPr kumimoji="0" lang="en-US" altLang="en-US" sz="1600" b="0" i="0" u="none" strike="noStrike" cap="none" normalizeH="0" baseline="0" dirty="0">
+                <a:ln>
+                  <a:noFill/>
+                </a:ln>
+                <a:solidFill>
+                  <a:srgbClr val="000000"/>
+                </a:solidFill>
+                <a:effectLst/>
+                <a:latin typeface="Courier New" panose="02070309020205020404" pitchFamily="49" charset="0"/>
+                <a:cs typeface="Courier New" panose="02070309020205020404" pitchFamily="49" charset="0"/>
+              </a:rPr>
+              <a:t>       </a:t>
+            </a:r>
+            <a:r>
+              <a:rPr kumimoji="0" lang="en-US" altLang="en-US" sz="1600" b="1" i="0" u="none" strike="noStrike" cap="none" normalizeH="0" baseline="0" dirty="0">
+                <a:ln>
+                  <a:noFill/>
+                </a:ln>
+                <a:solidFill>
+                  <a:srgbClr val="000080"/>
+                </a:solidFill>
+                <a:effectLst/>
+                <a:latin typeface="Courier New" panose="02070309020205020404" pitchFamily="49" charset="0"/>
+                <a:cs typeface="Courier New" panose="02070309020205020404" pitchFamily="49" charset="0"/>
+              </a:rPr>
+              <a:t>this</a:t>
+            </a:r>
+            <a:r>
+              <a:rPr kumimoji="0" lang="en-US" altLang="en-US" sz="1600" b="0" i="0" u="none" strike="noStrike" cap="none" normalizeH="0" baseline="0" dirty="0">
+                <a:ln>
+                  <a:noFill/>
+                </a:ln>
+                <a:solidFill>
+                  <a:srgbClr val="000000"/>
+                </a:solidFill>
+                <a:effectLst/>
+                <a:latin typeface="Courier New" panose="02070309020205020404" pitchFamily="49" charset="0"/>
+                <a:cs typeface="Courier New" panose="02070309020205020404" pitchFamily="49" charset="0"/>
+              </a:rPr>
+              <a:t>.viewContainer.</a:t>
+            </a:r>
+            <a:r>
+              <a:rPr kumimoji="0" lang="en-US" altLang="en-US" sz="1600" b="0" i="0" u="none" strike="noStrike" cap="none" normalizeH="0" baseline="0" dirty="0">
+                <a:ln>
+                  <a:noFill/>
+                </a:ln>
+                <a:solidFill>
+                  <a:srgbClr val="7A7A43"/>
+                </a:solidFill>
+                <a:effectLst/>
+                <a:latin typeface="Courier New" panose="02070309020205020404" pitchFamily="49" charset="0"/>
+                <a:cs typeface="Courier New" panose="02070309020205020404" pitchFamily="49" charset="0"/>
+              </a:rPr>
+              <a:t>createEmbeddedView</a:t>
+            </a:r>
+            <a:r>
+              <a:rPr kumimoji="0" lang="en-US" altLang="en-US" sz="1600" b="0" i="0" u="none" strike="noStrike" cap="none" normalizeH="0" baseline="0" dirty="0">
+                <a:ln>
+                  <a:noFill/>
+                </a:ln>
+                <a:solidFill>
+                  <a:srgbClr val="000000"/>
+                </a:solidFill>
+                <a:effectLst/>
+                <a:latin typeface="Courier New" panose="02070309020205020404" pitchFamily="49" charset="0"/>
+                <a:cs typeface="Courier New" panose="02070309020205020404" pitchFamily="49" charset="0"/>
+              </a:rPr>
+              <a:t>(</a:t>
+            </a:r>
+            <a:r>
+              <a:rPr kumimoji="0" lang="en-US" altLang="en-US" sz="1600" b="1" i="0" u="none" strike="noStrike" cap="none" normalizeH="0" baseline="0" dirty="0">
+                <a:ln>
+                  <a:noFill/>
+                </a:ln>
+                <a:solidFill>
+                  <a:srgbClr val="000080"/>
+                </a:solidFill>
+                <a:effectLst/>
+                <a:latin typeface="Courier New" panose="02070309020205020404" pitchFamily="49" charset="0"/>
+                <a:cs typeface="Courier New" panose="02070309020205020404" pitchFamily="49" charset="0"/>
+              </a:rPr>
+              <a:t>this</a:t>
+            </a:r>
+            <a:r>
+              <a:rPr kumimoji="0" lang="en-US" altLang="en-US" sz="1600" b="0" i="0" u="none" strike="noStrike" cap="none" normalizeH="0" baseline="0" dirty="0">
+                <a:ln>
+                  <a:noFill/>
+                </a:ln>
+                <a:solidFill>
+                  <a:srgbClr val="000000"/>
+                </a:solidFill>
+                <a:effectLst/>
+                <a:latin typeface="Courier New" panose="02070309020205020404" pitchFamily="49" charset="0"/>
+                <a:cs typeface="Courier New" panose="02070309020205020404" pitchFamily="49" charset="0"/>
+              </a:rPr>
+              <a:t>.templateRef);</a:t>
+            </a:r>
+            <a:br>
+              <a:rPr kumimoji="0" lang="en-US" altLang="en-US" sz="1600" b="0" i="0" u="none" strike="noStrike" cap="none" normalizeH="0" baseline="0" dirty="0">
+                <a:ln>
+                  <a:noFill/>
+                </a:ln>
+                <a:solidFill>
+                  <a:srgbClr val="000000"/>
+                </a:solidFill>
+                <a:effectLst/>
+                <a:latin typeface="Courier New" panose="02070309020205020404" pitchFamily="49" charset="0"/>
+                <a:cs typeface="Courier New" panose="02070309020205020404" pitchFamily="49" charset="0"/>
+              </a:rPr>
+            </a:br>
+            <a:r>
+              <a:rPr kumimoji="0" lang="en-US" altLang="en-US" sz="1600" b="0" i="0" u="none" strike="noStrike" cap="none" normalizeH="0" baseline="0" dirty="0">
+                <a:ln>
+                  <a:noFill/>
+                </a:ln>
+                <a:solidFill>
+                  <a:srgbClr val="000000"/>
+                </a:solidFill>
+                <a:effectLst/>
+                <a:latin typeface="Courier New" panose="02070309020205020404" pitchFamily="49" charset="0"/>
+                <a:cs typeface="Courier New" panose="02070309020205020404" pitchFamily="49" charset="0"/>
+              </a:rPr>
+              <a:t>    }</a:t>
+            </a:r>
+            <a:br>
+              <a:rPr kumimoji="0" lang="en-US" altLang="en-US" sz="1600" b="0" i="0" u="none" strike="noStrike" cap="none" normalizeH="0" baseline="0" dirty="0">
+                <a:ln>
+                  <a:noFill/>
+                </a:ln>
+                <a:solidFill>
+                  <a:srgbClr val="000000"/>
+                </a:solidFill>
+                <a:effectLst/>
+                <a:latin typeface="Courier New" panose="02070309020205020404" pitchFamily="49" charset="0"/>
+                <a:cs typeface="Courier New" panose="02070309020205020404" pitchFamily="49" charset="0"/>
+              </a:rPr>
+            </a:br>
+            <a:r>
+              <a:rPr kumimoji="0" lang="en-US" altLang="en-US" sz="1600" b="0" i="0" u="none" strike="noStrike" cap="none" normalizeH="0" baseline="0" dirty="0">
+                <a:ln>
+                  <a:noFill/>
+                </a:ln>
+                <a:solidFill>
+                  <a:srgbClr val="000000"/>
+                </a:solidFill>
+                <a:effectLst/>
+                <a:latin typeface="Courier New" panose="02070309020205020404" pitchFamily="49" charset="0"/>
+                <a:cs typeface="Courier New" panose="02070309020205020404" pitchFamily="49" charset="0"/>
+              </a:rPr>
+              <a:t>  }</a:t>
+            </a:r>
+            <a:br>
+              <a:rPr kumimoji="0" lang="en-US" altLang="en-US" sz="1600" b="0" i="0" u="none" strike="noStrike" cap="none" normalizeH="0" baseline="0" dirty="0">
+                <a:ln>
+                  <a:noFill/>
+                </a:ln>
+                <a:solidFill>
+                  <a:srgbClr val="000000"/>
+                </a:solidFill>
+                <a:effectLst/>
+                <a:latin typeface="Courier New" panose="02070309020205020404" pitchFamily="49" charset="0"/>
+                <a:cs typeface="Courier New" panose="02070309020205020404" pitchFamily="49" charset="0"/>
+              </a:rPr>
+            </a:br>
+            <a:r>
+              <a:rPr kumimoji="0" lang="en-US" altLang="en-US" sz="1600" b="0" i="0" u="none" strike="noStrike" cap="none" normalizeH="0" baseline="0" dirty="0">
+                <a:ln>
+                  <a:noFill/>
+                </a:ln>
+                <a:solidFill>
+                  <a:srgbClr val="000000"/>
+                </a:solidFill>
+                <a:effectLst/>
+                <a:latin typeface="Courier New" panose="02070309020205020404" pitchFamily="49" charset="0"/>
+                <a:cs typeface="Courier New" panose="02070309020205020404" pitchFamily="49" charset="0"/>
+              </a:rPr>
+              <a:t>}</a:t>
+            </a:r>
+            <a:endParaRPr kumimoji="0" lang="en-US" altLang="en-US" sz="1600" b="0" i="0" u="none" strike="noStrike" cap="none" normalizeH="0" baseline="0" dirty="0">
+              <a:ln>
+                <a:noFill/>
+              </a:ln>
+              <a:solidFill>
+                <a:schemeClr val="tx1"/>
+              </a:solidFill>
+              <a:effectLst/>
+              <a:latin typeface="Arial" panose="020B0604020202020204" pitchFamily="34" charset="0"/>
+            </a:endParaRPr>
+          </a:p>
+        </p:txBody>
+      </p:sp>
+    </p:spTree>
+    <p:extLst>
+      <p:ext uri="{BB962C8B-B14F-4D97-AF65-F5344CB8AC3E}">
+        <p14:creationId xmlns:p14="http://schemas.microsoft.com/office/powerpoint/2010/main" val="3718326059"/>
+      </p:ext>
+    </p:extLst>
+  </p:cSld>
+  <p:clrMapOvr>
+    <a:masterClrMapping/>
+  </p:clrMapOvr>
+</p:sld>
+</file>
+
+<file path=ppt/slides/slide24.xml><?xml version="1.0" encoding="utf-8"?>
+<p:sld xmlns:a="http://schemas.openxmlformats.org/drawingml/2006/main" xmlns:r="http://schemas.openxmlformats.org/officeDocument/2006/relationships" xmlns:p="http://schemas.openxmlformats.org/presentationml/2006/main">
+  <p:cSld>
+    <p:spTree>
+      <p:nvGrpSpPr>
+        <p:cNvPr id="1" name=""/>
+        <p:cNvGrpSpPr/>
+        <p:nvPr/>
+      </p:nvGrpSpPr>
+      <p:grpSpPr>
+        <a:xfrm>
+          <a:off x="0" y="0"/>
+          <a:ext cx="0" cy="0"/>
+          <a:chOff x="0" y="0"/>
+          <a:chExt cx="0" cy="0"/>
+        </a:xfrm>
+      </p:grpSpPr>
+      <p:sp>
+        <p:nvSpPr>
+          <p:cNvPr id="2" name="Title 1"/>
+          <p:cNvSpPr>
+            <a:spLocks noGrp="1"/>
+          </p:cNvSpPr>
+          <p:nvPr>
+            <p:ph type="title"/>
+          </p:nvPr>
+        </p:nvSpPr>
+        <p:spPr>
+          <a:xfrm>
+            <a:off x="587497" y="274319"/>
+            <a:ext cx="8153400" cy="990600"/>
+          </a:xfrm>
+        </p:spPr>
+        <p:txBody>
+          <a:bodyPr>
+            <a:normAutofit fontScale="90000"/>
+          </a:bodyPr>
+          <a:lstStyle/>
+          <a:p>
+            <a:r>
+              <a:rPr lang="en-US" dirty="0"/>
+              <a:t>Wrapping </a:t>
+            </a:r>
+            <a:r>
+              <a:rPr lang="en-US" dirty="0" err="1"/>
+              <a:t>Jquery</a:t>
+            </a:r>
+            <a:r>
+              <a:rPr lang="en-US" dirty="0"/>
+              <a:t> plugin with Angular</a:t>
+            </a:r>
+          </a:p>
+        </p:txBody>
+      </p:sp>
+      <p:sp>
+        <p:nvSpPr>
+          <p:cNvPr id="3" name="Footer Placeholder 2"/>
+          <p:cNvSpPr>
+            <a:spLocks noGrp="1"/>
+          </p:cNvSpPr>
+          <p:nvPr>
+            <p:ph type="ftr" sz="quarter" idx="11"/>
+          </p:nvPr>
+        </p:nvSpPr>
+        <p:spPr/>
+        <p:txBody>
+          <a:bodyPr/>
+          <a:lstStyle/>
+          <a:p>
+            <a:r>
+              <a:rPr lang="en-US" dirty="0"/>
+              <a:t>© 2017 Ori Calvo</a:t>
+            </a:r>
+          </a:p>
+        </p:txBody>
+      </p:sp>
+      <p:sp>
+        <p:nvSpPr>
+          <p:cNvPr id="4" name="Slide Number Placeholder 3"/>
+          <p:cNvSpPr>
+            <a:spLocks noGrp="1"/>
+          </p:cNvSpPr>
+          <p:nvPr>
+            <p:ph type="sldNum" sz="quarter" idx="12"/>
+          </p:nvPr>
+        </p:nvSpPr>
+        <p:spPr/>
+        <p:txBody>
+          <a:bodyPr>
+            <a:normAutofit fontScale="85000" lnSpcReduction="20000"/>
+          </a:bodyPr>
+          <a:lstStyle/>
+          <a:p>
+            <a:fld id="{6EDEC3BC-0694-4586-AE63-02B4D54ABF43}" type="slidenum">
+              <a:rPr lang="en-US" smtClean="0"/>
+              <a:pPr/>
+              <a:t>24</a:t>
+            </a:fld>
+            <a:endParaRPr lang="en-US"/>
+          </a:p>
+        </p:txBody>
+      </p:sp>
+      <p:sp>
+        <p:nvSpPr>
+          <p:cNvPr id="5" name="Content Placeholder 4"/>
+          <p:cNvSpPr>
+            <a:spLocks noGrp="1"/>
+          </p:cNvSpPr>
+          <p:nvPr>
+            <p:ph sz="quarter" idx="1"/>
+          </p:nvPr>
+        </p:nvSpPr>
+        <p:spPr>
+          <a:xfrm>
+            <a:off x="612648" y="1600200"/>
+            <a:ext cx="8153400" cy="3052936"/>
+          </a:xfrm>
+        </p:spPr>
+        <p:txBody>
+          <a:bodyPr>
+            <a:normAutofit/>
+          </a:bodyPr>
+          <a:lstStyle/>
+          <a:p>
+            <a:r>
+              <a:rPr lang="en-US" dirty="0"/>
+              <a:t>Angular shifts with the ability to use </a:t>
+            </a:r>
+            <a:r>
+              <a:rPr lang="en-US" dirty="0" err="1"/>
+              <a:t>Jquery</a:t>
+            </a:r>
+            <a:r>
+              <a:rPr lang="en-US" dirty="0"/>
+              <a:t> plugins for convenient</a:t>
+            </a:r>
+          </a:p>
+          <a:p>
+            <a:r>
+              <a:rPr lang="en-US" dirty="0"/>
+              <a:t>For demo, CDN was used on index.html</a:t>
+            </a:r>
+          </a:p>
+        </p:txBody>
+      </p:sp>
+      <p:sp>
+        <p:nvSpPr>
+          <p:cNvPr id="7" name="Rectangle 2"/>
+          <p:cNvSpPr>
+            <a:spLocks noChangeArrowheads="1"/>
+          </p:cNvSpPr>
+          <p:nvPr/>
+        </p:nvSpPr>
+        <p:spPr bwMode="auto">
+          <a:xfrm>
+            <a:off x="107504" y="3717032"/>
+            <a:ext cx="8820472" cy="1015663"/>
+          </a:xfrm>
+          <a:prstGeom prst="rect">
+            <a:avLst/>
+          </a:prstGeom>
+          <a:solidFill>
+            <a:srgbClr val="FFFFFF"/>
+          </a:solidFill>
+          <a:ln>
+            <a:noFill/>
+          </a:ln>
+          <a:effectLst/>
+          <a:extLst>
+            <a:ext uri="{91240B29-F687-4F45-9708-019B960494DF}">
+              <a14:hiddenLine xmlns:a14="http://schemas.microsoft.com/office/drawing/2010/main" w="9525">
+                <a:solidFill>
+                  <a:schemeClr val="tx1"/>
+                </a:solidFill>
+                <a:miter lim="800000"/>
+                <a:headEnd/>
+                <a:tailEnd/>
+              </a14:hiddenLine>
+            </a:ext>
+            <a:ext uri="{AF507438-7753-43E0-B8FC-AC1667EBCBE1}">
+              <a14:hiddenEffects xmlns:a14="http://schemas.microsoft.com/office/drawing/2010/main">
+                <a:effectLst>
+                  <a:outerShdw dist="35921" dir="2700000" algn="ctr" rotWithShape="0">
+                    <a:schemeClr val="bg2"/>
+                  </a:outerShdw>
+                </a:effectLst>
+              </a14:hiddenEffects>
+            </a:ext>
+          </a:extLst>
+        </p:spPr>
+        <p:txBody>
+          <a:bodyPr vert="horz" wrap="square" lIns="91440" tIns="45720" rIns="91440" bIns="45720" numCol="1" anchor="ctr" anchorCtr="0" compatLnSpc="1">
+            <a:prstTxWarp prst="textNoShape">
+              <a:avLst/>
+            </a:prstTxWarp>
+            <a:spAutoFit/>
+          </a:bodyPr>
+          <a:lstStyle/>
+          <a:p>
+            <a:pPr marL="0" marR="0" lvl="0" indent="0" algn="l" defTabSz="914400" rtl="0" eaLnBrk="0" fontAlgn="base" latinLnBrk="0" hangingPunct="0">
+              <a:lnSpc>
+                <a:spcPct val="100000"/>
+              </a:lnSpc>
+              <a:spcBef>
+                <a:spcPct val="0"/>
+              </a:spcBef>
+              <a:spcAft>
+                <a:spcPct val="0"/>
+              </a:spcAft>
+              <a:buClrTx/>
+              <a:buSzTx/>
+              <a:buFontTx/>
+              <a:buNone/>
+              <a:tabLst/>
+            </a:pPr>
+            <a:r>
+              <a:rPr kumimoji="0" lang="en-US" altLang="en-US" sz="1200" b="0" i="0" u="none" strike="noStrike" cap="none" normalizeH="0" baseline="0" dirty="0">
+                <a:ln>
+                  <a:noFill/>
+                </a:ln>
+                <a:solidFill>
+                  <a:srgbClr val="000000"/>
+                </a:solidFill>
+                <a:effectLst/>
+                <a:latin typeface="Courier New" panose="02070309020205020404" pitchFamily="49" charset="0"/>
+                <a:cs typeface="Courier New" panose="02070309020205020404" pitchFamily="49" charset="0"/>
+              </a:rPr>
+              <a:t>&lt;</a:t>
+            </a:r>
+            <a:r>
+              <a:rPr kumimoji="0" lang="en-US" altLang="en-US" sz="1200" b="1" i="0" u="none" strike="noStrike" cap="none" normalizeH="0" baseline="0" dirty="0">
+                <a:ln>
+                  <a:noFill/>
+                </a:ln>
+                <a:solidFill>
+                  <a:srgbClr val="000080"/>
+                </a:solidFill>
+                <a:effectLst/>
+                <a:latin typeface="Courier New" panose="02070309020205020404" pitchFamily="49" charset="0"/>
+                <a:cs typeface="Courier New" panose="02070309020205020404" pitchFamily="49" charset="0"/>
+              </a:rPr>
+              <a:t>script </a:t>
+            </a:r>
+            <a:r>
+              <a:rPr kumimoji="0" lang="en-US" altLang="en-US" sz="1200" b="1" i="0" u="none" strike="noStrike" cap="none" normalizeH="0" baseline="0" dirty="0" err="1">
+                <a:ln>
+                  <a:noFill/>
+                </a:ln>
+                <a:solidFill>
+                  <a:srgbClr val="0000FF"/>
+                </a:solidFill>
+                <a:effectLst/>
+                <a:latin typeface="Courier New" panose="02070309020205020404" pitchFamily="49" charset="0"/>
+                <a:cs typeface="Courier New" panose="02070309020205020404" pitchFamily="49" charset="0"/>
+              </a:rPr>
+              <a:t>src</a:t>
+            </a:r>
+            <a:r>
+              <a:rPr kumimoji="0" lang="en-US" altLang="en-US" sz="1200" b="1" i="0" u="none" strike="noStrike" cap="none" normalizeH="0" baseline="0" dirty="0">
+                <a:ln>
+                  <a:noFill/>
+                </a:ln>
+                <a:solidFill>
+                  <a:srgbClr val="0000FF"/>
+                </a:solidFill>
+                <a:effectLst/>
+                <a:latin typeface="Courier New" panose="02070309020205020404" pitchFamily="49" charset="0"/>
+                <a:cs typeface="Courier New" panose="02070309020205020404" pitchFamily="49" charset="0"/>
+              </a:rPr>
+              <a:t>=</a:t>
+            </a:r>
+            <a:r>
+              <a:rPr kumimoji="0" lang="en-US" altLang="en-US" sz="1200" b="1" i="0" u="none" strike="noStrike" cap="none" normalizeH="0" baseline="0" dirty="0">
+                <a:ln>
+                  <a:noFill/>
+                </a:ln>
+                <a:solidFill>
+                  <a:srgbClr val="008000"/>
+                </a:solidFill>
+                <a:effectLst/>
+                <a:latin typeface="Courier New" panose="02070309020205020404" pitchFamily="49" charset="0"/>
+                <a:cs typeface="Courier New" panose="02070309020205020404" pitchFamily="49" charset="0"/>
+              </a:rPr>
+              <a:t>"https://ajax.aspnetcdn.com/ajax/jQuery/jquery-3.2.1.min.js"</a:t>
+            </a:r>
+            <a:r>
+              <a:rPr kumimoji="0" lang="en-US" altLang="en-US" sz="1200" b="0" i="0" u="none" strike="noStrike" cap="none" normalizeH="0" baseline="0" dirty="0">
+                <a:ln>
+                  <a:noFill/>
+                </a:ln>
+                <a:solidFill>
+                  <a:srgbClr val="000000"/>
+                </a:solidFill>
+                <a:effectLst/>
+                <a:latin typeface="Courier New" panose="02070309020205020404" pitchFamily="49" charset="0"/>
+                <a:cs typeface="Courier New" panose="02070309020205020404" pitchFamily="49" charset="0"/>
+              </a:rPr>
+              <a:t>&gt;&lt;/</a:t>
+            </a:r>
+            <a:r>
+              <a:rPr kumimoji="0" lang="en-US" altLang="en-US" sz="1200" b="1" i="0" u="none" strike="noStrike" cap="none" normalizeH="0" baseline="0" dirty="0">
+                <a:ln>
+                  <a:noFill/>
+                </a:ln>
+                <a:solidFill>
+                  <a:srgbClr val="000080"/>
+                </a:solidFill>
+                <a:effectLst/>
+                <a:latin typeface="Courier New" panose="02070309020205020404" pitchFamily="49" charset="0"/>
+                <a:cs typeface="Courier New" panose="02070309020205020404" pitchFamily="49" charset="0"/>
+              </a:rPr>
+              <a:t>script</a:t>
+            </a:r>
+            <a:r>
+              <a:rPr kumimoji="0" lang="en-US" altLang="en-US" sz="1200" b="0" i="0" u="none" strike="noStrike" cap="none" normalizeH="0" baseline="0" dirty="0">
+                <a:ln>
+                  <a:noFill/>
+                </a:ln>
+                <a:solidFill>
+                  <a:srgbClr val="000000"/>
+                </a:solidFill>
+                <a:effectLst/>
+                <a:latin typeface="Courier New" panose="02070309020205020404" pitchFamily="49" charset="0"/>
+                <a:cs typeface="Courier New" panose="02070309020205020404" pitchFamily="49" charset="0"/>
+              </a:rPr>
+              <a:t>&gt;</a:t>
+            </a:r>
+            <a:br>
+              <a:rPr kumimoji="0" lang="en-US" altLang="en-US" sz="1200" b="0" i="0" u="none" strike="noStrike" cap="none" normalizeH="0" baseline="0" dirty="0">
+                <a:ln>
+                  <a:noFill/>
+                </a:ln>
+                <a:solidFill>
+                  <a:srgbClr val="000000"/>
+                </a:solidFill>
+                <a:effectLst/>
+                <a:latin typeface="Courier New" panose="02070309020205020404" pitchFamily="49" charset="0"/>
+                <a:cs typeface="Courier New" panose="02070309020205020404" pitchFamily="49" charset="0"/>
+              </a:rPr>
+            </a:br>
+            <a:r>
+              <a:rPr kumimoji="0" lang="en-US" altLang="en-US" sz="1200" b="0" i="0" u="none" strike="noStrike" cap="none" normalizeH="0" baseline="0" dirty="0">
+                <a:ln>
+                  <a:noFill/>
+                </a:ln>
+                <a:solidFill>
+                  <a:srgbClr val="000000"/>
+                </a:solidFill>
+                <a:effectLst/>
+                <a:latin typeface="Courier New" panose="02070309020205020404" pitchFamily="49" charset="0"/>
+                <a:cs typeface="Courier New" panose="02070309020205020404" pitchFamily="49" charset="0"/>
+              </a:rPr>
+              <a:t>&lt;</a:t>
+            </a:r>
+            <a:r>
+              <a:rPr kumimoji="0" lang="en-US" altLang="en-US" sz="1200" b="1" i="0" u="none" strike="noStrike" cap="none" normalizeH="0" baseline="0" dirty="0">
+                <a:ln>
+                  <a:noFill/>
+                </a:ln>
+                <a:solidFill>
+                  <a:srgbClr val="000080"/>
+                </a:solidFill>
+                <a:effectLst/>
+                <a:latin typeface="Courier New" panose="02070309020205020404" pitchFamily="49" charset="0"/>
+                <a:cs typeface="Courier New" panose="02070309020205020404" pitchFamily="49" charset="0"/>
+              </a:rPr>
+              <a:t>link </a:t>
+            </a:r>
+            <a:r>
+              <a:rPr kumimoji="0" lang="en-US" altLang="en-US" sz="1200" b="1" i="0" u="none" strike="noStrike" cap="none" normalizeH="0" baseline="0" dirty="0" err="1">
+                <a:ln>
+                  <a:noFill/>
+                </a:ln>
+                <a:solidFill>
+                  <a:srgbClr val="0000FF"/>
+                </a:solidFill>
+                <a:effectLst/>
+                <a:latin typeface="Courier New" panose="02070309020205020404" pitchFamily="49" charset="0"/>
+                <a:cs typeface="Courier New" panose="02070309020205020404" pitchFamily="49" charset="0"/>
+              </a:rPr>
+              <a:t>rel</a:t>
+            </a:r>
+            <a:r>
+              <a:rPr kumimoji="0" lang="en-US" altLang="en-US" sz="1200" b="1" i="0" u="none" strike="noStrike" cap="none" normalizeH="0" baseline="0" dirty="0">
+                <a:ln>
+                  <a:noFill/>
+                </a:ln>
+                <a:solidFill>
+                  <a:srgbClr val="0000FF"/>
+                </a:solidFill>
+                <a:effectLst/>
+                <a:latin typeface="Courier New" panose="02070309020205020404" pitchFamily="49" charset="0"/>
+                <a:cs typeface="Courier New" panose="02070309020205020404" pitchFamily="49" charset="0"/>
+              </a:rPr>
+              <a:t>=</a:t>
+            </a:r>
+            <a:r>
+              <a:rPr kumimoji="0" lang="en-US" altLang="en-US" sz="1200" b="1" i="0" u="none" strike="noStrike" cap="none" normalizeH="0" baseline="0" dirty="0">
+                <a:ln>
+                  <a:noFill/>
+                </a:ln>
+                <a:solidFill>
+                  <a:srgbClr val="008000"/>
+                </a:solidFill>
+                <a:effectLst/>
+                <a:latin typeface="Courier New" panose="02070309020205020404" pitchFamily="49" charset="0"/>
+                <a:cs typeface="Courier New" panose="02070309020205020404" pitchFamily="49" charset="0"/>
+              </a:rPr>
+              <a:t>"stylesheet" </a:t>
+            </a:r>
+            <a:r>
+              <a:rPr kumimoji="0" lang="en-US" altLang="en-US" sz="1200" b="1" i="0" u="none" strike="noStrike" cap="none" normalizeH="0" baseline="0" dirty="0" err="1">
+                <a:ln>
+                  <a:noFill/>
+                </a:ln>
+                <a:solidFill>
+                  <a:srgbClr val="0000FF"/>
+                </a:solidFill>
+                <a:effectLst/>
+                <a:latin typeface="Courier New" panose="02070309020205020404" pitchFamily="49" charset="0"/>
+                <a:cs typeface="Courier New" panose="02070309020205020404" pitchFamily="49" charset="0"/>
+              </a:rPr>
+              <a:t>href</a:t>
+            </a:r>
+            <a:r>
+              <a:rPr kumimoji="0" lang="en-US" altLang="en-US" sz="1200" b="1" i="0" u="none" strike="noStrike" cap="none" normalizeH="0" baseline="0" dirty="0">
+                <a:ln>
+                  <a:noFill/>
+                </a:ln>
+                <a:solidFill>
+                  <a:srgbClr val="0000FF"/>
+                </a:solidFill>
+                <a:effectLst/>
+                <a:latin typeface="Courier New" panose="02070309020205020404" pitchFamily="49" charset="0"/>
+                <a:cs typeface="Courier New" panose="02070309020205020404" pitchFamily="49" charset="0"/>
+              </a:rPr>
+              <a:t>=</a:t>
+            </a:r>
+            <a:r>
+              <a:rPr kumimoji="0" lang="en-US" altLang="en-US" sz="1200" b="1" i="0" u="none" strike="noStrike" cap="none" normalizeH="0" baseline="0" dirty="0">
+                <a:ln>
+                  <a:noFill/>
+                </a:ln>
+                <a:solidFill>
+                  <a:srgbClr val="008000"/>
+                </a:solidFill>
+                <a:effectLst/>
+                <a:latin typeface="Courier New" panose="02070309020205020404" pitchFamily="49" charset="0"/>
+                <a:cs typeface="Courier New" panose="02070309020205020404" pitchFamily="49" charset="0"/>
+              </a:rPr>
+              <a:t>"https://ajax.googleapis.com/ajax/libs/</a:t>
+            </a:r>
+            <a:r>
+              <a:rPr kumimoji="0" lang="en-US" altLang="en-US" sz="1200" b="1" i="0" u="none" strike="noStrike" cap="none" normalizeH="0" baseline="0" dirty="0" err="1">
+                <a:ln>
+                  <a:noFill/>
+                </a:ln>
+                <a:solidFill>
+                  <a:srgbClr val="008000"/>
+                </a:solidFill>
+                <a:effectLst/>
+                <a:latin typeface="Courier New" panose="02070309020205020404" pitchFamily="49" charset="0"/>
+                <a:cs typeface="Courier New" panose="02070309020205020404" pitchFamily="49" charset="0"/>
+              </a:rPr>
+              <a:t>jqueryui</a:t>
+            </a:r>
+            <a:r>
+              <a:rPr kumimoji="0" lang="en-US" altLang="en-US" sz="1200" b="1" i="0" u="none" strike="noStrike" cap="none" normalizeH="0" baseline="0" dirty="0">
+                <a:ln>
+                  <a:noFill/>
+                </a:ln>
+                <a:solidFill>
+                  <a:srgbClr val="008000"/>
+                </a:solidFill>
+                <a:effectLst/>
+                <a:latin typeface="Courier New" panose="02070309020205020404" pitchFamily="49" charset="0"/>
+                <a:cs typeface="Courier New" panose="02070309020205020404" pitchFamily="49" charset="0"/>
+              </a:rPr>
+              <a:t>/1.12.1/themes/smoothness/jquery-ui.css"</a:t>
+            </a:r>
+            <a:r>
+              <a:rPr kumimoji="0" lang="en-US" altLang="en-US" sz="1200" b="0" i="0" u="none" strike="noStrike" cap="none" normalizeH="0" baseline="0" dirty="0">
+                <a:ln>
+                  <a:noFill/>
+                </a:ln>
+                <a:solidFill>
+                  <a:srgbClr val="000000"/>
+                </a:solidFill>
+                <a:effectLst/>
+                <a:latin typeface="Courier New" panose="02070309020205020404" pitchFamily="49" charset="0"/>
+                <a:cs typeface="Courier New" panose="02070309020205020404" pitchFamily="49" charset="0"/>
+              </a:rPr>
+              <a:t>&gt;</a:t>
+            </a:r>
+            <a:br>
+              <a:rPr kumimoji="0" lang="en-US" altLang="en-US" sz="1200" b="0" i="0" u="none" strike="noStrike" cap="none" normalizeH="0" baseline="0" dirty="0">
+                <a:ln>
+                  <a:noFill/>
+                </a:ln>
+                <a:solidFill>
+                  <a:srgbClr val="000000"/>
+                </a:solidFill>
+                <a:effectLst/>
+                <a:latin typeface="Courier New" panose="02070309020205020404" pitchFamily="49" charset="0"/>
+                <a:cs typeface="Courier New" panose="02070309020205020404" pitchFamily="49" charset="0"/>
+              </a:rPr>
+            </a:br>
+            <a:r>
+              <a:rPr kumimoji="0" lang="en-US" altLang="en-US" sz="1200" b="0" i="0" u="none" strike="noStrike" cap="none" normalizeH="0" baseline="0" dirty="0">
+                <a:ln>
+                  <a:noFill/>
+                </a:ln>
+                <a:solidFill>
+                  <a:srgbClr val="000000"/>
+                </a:solidFill>
+                <a:effectLst/>
+                <a:latin typeface="Courier New" panose="02070309020205020404" pitchFamily="49" charset="0"/>
+                <a:cs typeface="Courier New" panose="02070309020205020404" pitchFamily="49" charset="0"/>
+              </a:rPr>
+              <a:t>&lt;</a:t>
+            </a:r>
+            <a:r>
+              <a:rPr kumimoji="0" lang="en-US" altLang="en-US" sz="1200" b="1" i="0" u="none" strike="noStrike" cap="none" normalizeH="0" baseline="0" dirty="0">
+                <a:ln>
+                  <a:noFill/>
+                </a:ln>
+                <a:solidFill>
+                  <a:srgbClr val="000080"/>
+                </a:solidFill>
+                <a:effectLst/>
+                <a:latin typeface="Courier New" panose="02070309020205020404" pitchFamily="49" charset="0"/>
+                <a:cs typeface="Courier New" panose="02070309020205020404" pitchFamily="49" charset="0"/>
+              </a:rPr>
+              <a:t>script </a:t>
+            </a:r>
+            <a:r>
+              <a:rPr kumimoji="0" lang="en-US" altLang="en-US" sz="1200" b="1" i="0" u="none" strike="noStrike" cap="none" normalizeH="0" baseline="0" dirty="0" err="1">
+                <a:ln>
+                  <a:noFill/>
+                </a:ln>
+                <a:solidFill>
+                  <a:srgbClr val="0000FF"/>
+                </a:solidFill>
+                <a:effectLst/>
+                <a:latin typeface="Courier New" panose="02070309020205020404" pitchFamily="49" charset="0"/>
+                <a:cs typeface="Courier New" panose="02070309020205020404" pitchFamily="49" charset="0"/>
+              </a:rPr>
+              <a:t>src</a:t>
+            </a:r>
+            <a:r>
+              <a:rPr kumimoji="0" lang="en-US" altLang="en-US" sz="1200" b="1" i="0" u="none" strike="noStrike" cap="none" normalizeH="0" baseline="0" dirty="0">
+                <a:ln>
+                  <a:noFill/>
+                </a:ln>
+                <a:solidFill>
+                  <a:srgbClr val="0000FF"/>
+                </a:solidFill>
+                <a:effectLst/>
+                <a:latin typeface="Courier New" panose="02070309020205020404" pitchFamily="49" charset="0"/>
+                <a:cs typeface="Courier New" panose="02070309020205020404" pitchFamily="49" charset="0"/>
+              </a:rPr>
+              <a:t>=</a:t>
+            </a:r>
+            <a:r>
+              <a:rPr kumimoji="0" lang="en-US" altLang="en-US" sz="1200" b="1" i="0" u="none" strike="noStrike" cap="none" normalizeH="0" baseline="0" dirty="0">
+                <a:ln>
+                  <a:noFill/>
+                </a:ln>
+                <a:solidFill>
+                  <a:srgbClr val="008000"/>
+                </a:solidFill>
+                <a:effectLst/>
+                <a:latin typeface="Courier New" panose="02070309020205020404" pitchFamily="49" charset="0"/>
+                <a:cs typeface="Courier New" panose="02070309020205020404" pitchFamily="49" charset="0"/>
+              </a:rPr>
+              <a:t>"https://ajax.googleapis.com/ajax/libs/</a:t>
+            </a:r>
+            <a:r>
+              <a:rPr kumimoji="0" lang="en-US" altLang="en-US" sz="1200" b="1" i="0" u="none" strike="noStrike" cap="none" normalizeH="0" baseline="0" dirty="0" err="1">
+                <a:ln>
+                  <a:noFill/>
+                </a:ln>
+                <a:solidFill>
+                  <a:srgbClr val="008000"/>
+                </a:solidFill>
+                <a:effectLst/>
+                <a:latin typeface="Courier New" panose="02070309020205020404" pitchFamily="49" charset="0"/>
+                <a:cs typeface="Courier New" panose="02070309020205020404" pitchFamily="49" charset="0"/>
+              </a:rPr>
+              <a:t>jqueryui</a:t>
+            </a:r>
+            <a:r>
+              <a:rPr kumimoji="0" lang="en-US" altLang="en-US" sz="1200" b="1" i="0" u="none" strike="noStrike" cap="none" normalizeH="0" baseline="0" dirty="0">
+                <a:ln>
+                  <a:noFill/>
+                </a:ln>
+                <a:solidFill>
+                  <a:srgbClr val="008000"/>
+                </a:solidFill>
+                <a:effectLst/>
+                <a:latin typeface="Courier New" panose="02070309020205020404" pitchFamily="49" charset="0"/>
+                <a:cs typeface="Courier New" panose="02070309020205020404" pitchFamily="49" charset="0"/>
+              </a:rPr>
+              <a:t>/1.12.1/jquery-ui.min.js"</a:t>
+            </a:r>
+            <a:r>
+              <a:rPr kumimoji="0" lang="en-US" altLang="en-US" sz="1200" b="0" i="0" u="none" strike="noStrike" cap="none" normalizeH="0" baseline="0" dirty="0">
+                <a:ln>
+                  <a:noFill/>
+                </a:ln>
+                <a:solidFill>
+                  <a:srgbClr val="000000"/>
+                </a:solidFill>
+                <a:effectLst/>
+                <a:latin typeface="Courier New" panose="02070309020205020404" pitchFamily="49" charset="0"/>
+                <a:cs typeface="Courier New" panose="02070309020205020404" pitchFamily="49" charset="0"/>
+              </a:rPr>
+              <a:t>&gt;&lt;/</a:t>
+            </a:r>
+            <a:r>
+              <a:rPr kumimoji="0" lang="en-US" altLang="en-US" sz="1200" b="1" i="0" u="none" strike="noStrike" cap="none" normalizeH="0" baseline="0" dirty="0">
+                <a:ln>
+                  <a:noFill/>
+                </a:ln>
+                <a:solidFill>
+                  <a:srgbClr val="000080"/>
+                </a:solidFill>
+                <a:effectLst/>
+                <a:latin typeface="Courier New" panose="02070309020205020404" pitchFamily="49" charset="0"/>
+                <a:cs typeface="Courier New" panose="02070309020205020404" pitchFamily="49" charset="0"/>
+              </a:rPr>
+              <a:t>script</a:t>
+            </a:r>
+            <a:r>
+              <a:rPr kumimoji="0" lang="en-US" altLang="en-US" sz="1200" b="0" i="0" u="none" strike="noStrike" cap="none" normalizeH="0" baseline="0" dirty="0">
+                <a:ln>
+                  <a:noFill/>
+                </a:ln>
+                <a:solidFill>
+                  <a:srgbClr val="000000"/>
+                </a:solidFill>
+                <a:effectLst/>
+                <a:latin typeface="Courier New" panose="02070309020205020404" pitchFamily="49" charset="0"/>
+                <a:cs typeface="Courier New" panose="02070309020205020404" pitchFamily="49" charset="0"/>
+              </a:rPr>
+              <a:t>&gt;</a:t>
+            </a:r>
+            <a:endParaRPr kumimoji="0" lang="en-US" altLang="en-US" sz="1200" b="0" i="0" u="none" strike="noStrike" cap="none" normalizeH="0" baseline="0" dirty="0">
+              <a:ln>
+                <a:noFill/>
+              </a:ln>
+              <a:solidFill>
+                <a:schemeClr val="tx1"/>
+              </a:solidFill>
+              <a:effectLst/>
+              <a:latin typeface="Arial" panose="020B0604020202020204" pitchFamily="34" charset="0"/>
+            </a:endParaRPr>
+          </a:p>
+        </p:txBody>
+      </p:sp>
+    </p:spTree>
+    <p:extLst>
+      <p:ext uri="{BB962C8B-B14F-4D97-AF65-F5344CB8AC3E}">
+        <p14:creationId xmlns:p14="http://schemas.microsoft.com/office/powerpoint/2010/main" val="508092084"/>
+      </p:ext>
+    </p:extLst>
+  </p:cSld>
+  <p:clrMapOvr>
+    <a:masterClrMapping/>
+  </p:clrMapOvr>
+</p:sld>
+</file>
+
+<file path=ppt/slides/slide25.xml><?xml version="1.0" encoding="utf-8"?>
+<p:sld xmlns:a="http://schemas.openxmlformats.org/drawingml/2006/main" xmlns:r="http://schemas.openxmlformats.org/officeDocument/2006/relationships" xmlns:p="http://schemas.openxmlformats.org/presentationml/2006/main">
+  <p:cSld>
+    <p:spTree>
+      <p:nvGrpSpPr>
+        <p:cNvPr id="1" name=""/>
+        <p:cNvGrpSpPr/>
+        <p:nvPr/>
+      </p:nvGrpSpPr>
+      <p:grpSpPr>
+        <a:xfrm>
+          <a:off x="0" y="0"/>
+          <a:ext cx="0" cy="0"/>
+          <a:chOff x="0" y="0"/>
+          <a:chExt cx="0" cy="0"/>
+        </a:xfrm>
+      </p:grpSpPr>
+      <p:sp>
+        <p:nvSpPr>
+          <p:cNvPr id="2" name="Title 1"/>
+          <p:cNvSpPr>
+            <a:spLocks noGrp="1"/>
+          </p:cNvSpPr>
+          <p:nvPr>
+            <p:ph type="title"/>
+          </p:nvPr>
+        </p:nvSpPr>
+        <p:spPr/>
+        <p:txBody>
+          <a:bodyPr>
+            <a:normAutofit fontScale="90000"/>
+          </a:bodyPr>
+          <a:lstStyle/>
+          <a:p>
+            <a:r>
+              <a:rPr lang="en-US" dirty="0"/>
+              <a:t>Wrapping </a:t>
+            </a:r>
+            <a:r>
+              <a:rPr lang="en-US" dirty="0" err="1"/>
+              <a:t>Jquery</a:t>
+            </a:r>
+            <a:r>
+              <a:rPr lang="en-US" dirty="0"/>
+              <a:t> plugin with Angular</a:t>
+            </a:r>
+          </a:p>
+        </p:txBody>
+      </p:sp>
+      <p:sp>
+        <p:nvSpPr>
+          <p:cNvPr id="3" name="Footer Placeholder 2"/>
+          <p:cNvSpPr>
+            <a:spLocks noGrp="1"/>
+          </p:cNvSpPr>
+          <p:nvPr>
+            <p:ph type="ftr" sz="quarter" idx="11"/>
+          </p:nvPr>
+        </p:nvSpPr>
+        <p:spPr/>
+        <p:txBody>
+          <a:bodyPr/>
+          <a:lstStyle/>
+          <a:p>
+            <a:r>
+              <a:rPr lang="en-US" dirty="0"/>
+              <a:t>© 2017 Ori Calvo</a:t>
+            </a:r>
+          </a:p>
+        </p:txBody>
+      </p:sp>
+      <p:sp>
+        <p:nvSpPr>
+          <p:cNvPr id="4" name="Slide Number Placeholder 3"/>
+          <p:cNvSpPr>
+            <a:spLocks noGrp="1"/>
+          </p:cNvSpPr>
+          <p:nvPr>
+            <p:ph type="sldNum" sz="quarter" idx="12"/>
+          </p:nvPr>
+        </p:nvSpPr>
+        <p:spPr/>
+        <p:txBody>
+          <a:bodyPr>
+            <a:normAutofit fontScale="85000" lnSpcReduction="20000"/>
+          </a:bodyPr>
+          <a:lstStyle/>
+          <a:p>
+            <a:fld id="{6EDEC3BC-0694-4586-AE63-02B4D54ABF43}" type="slidenum">
+              <a:rPr lang="en-US" smtClean="0"/>
+              <a:pPr/>
+              <a:t>25</a:t>
+            </a:fld>
+            <a:endParaRPr lang="en-US"/>
+          </a:p>
+        </p:txBody>
+      </p:sp>
+      <p:sp>
+        <p:nvSpPr>
+          <p:cNvPr id="6" name="Rectangle 1"/>
+          <p:cNvSpPr>
+            <a:spLocks noChangeArrowheads="1"/>
+          </p:cNvSpPr>
+          <p:nvPr/>
+        </p:nvSpPr>
+        <p:spPr bwMode="auto">
+          <a:xfrm>
+            <a:off x="107504" y="1772816"/>
+            <a:ext cx="8352928" cy="3970318"/>
+          </a:xfrm>
+          <a:prstGeom prst="rect">
+            <a:avLst/>
+          </a:prstGeom>
+          <a:solidFill>
+            <a:srgbClr val="FFFFFF"/>
+          </a:solidFill>
+          <a:ln>
+            <a:noFill/>
+          </a:ln>
+          <a:effectLst/>
+          <a:extLst>
+            <a:ext uri="{91240B29-F687-4F45-9708-019B960494DF}">
+              <a14:hiddenLine xmlns:a14="http://schemas.microsoft.com/office/drawing/2010/main" w="9525">
+                <a:solidFill>
+                  <a:schemeClr val="tx1"/>
+                </a:solidFill>
+                <a:miter lim="800000"/>
+                <a:headEnd/>
+                <a:tailEnd/>
+              </a14:hiddenLine>
+            </a:ext>
+            <a:ext uri="{AF507438-7753-43E0-B8FC-AC1667EBCBE1}">
+              <a14:hiddenEffects xmlns:a14="http://schemas.microsoft.com/office/drawing/2010/main">
+                <a:effectLst>
+                  <a:outerShdw dist="35921" dir="2700000" algn="ctr" rotWithShape="0">
+                    <a:schemeClr val="bg2"/>
+                  </a:outerShdw>
+                </a:effectLst>
+              </a14:hiddenEffects>
+            </a:ext>
+          </a:extLst>
+        </p:spPr>
+        <p:txBody>
+          <a:bodyPr vert="horz" wrap="square" lIns="91440" tIns="45720" rIns="91440" bIns="45720" numCol="1" anchor="ctr" anchorCtr="0" compatLnSpc="1">
+            <a:prstTxWarp prst="textNoShape">
+              <a:avLst/>
+            </a:prstTxWarp>
+            <a:spAutoFit/>
+          </a:bodyPr>
+          <a:lstStyle/>
+          <a:p>
+            <a:pPr marL="0" marR="0" lvl="0" indent="0" algn="l" defTabSz="914400" rtl="0" eaLnBrk="0" fontAlgn="base" latinLnBrk="0" hangingPunct="0">
+              <a:lnSpc>
+                <a:spcPct val="100000"/>
+              </a:lnSpc>
+              <a:spcBef>
+                <a:spcPct val="0"/>
+              </a:spcBef>
+              <a:spcAft>
+                <a:spcPct val="0"/>
+              </a:spcAft>
+              <a:buClrTx/>
+              <a:buSzTx/>
+              <a:buFontTx/>
+              <a:buNone/>
+              <a:tabLst/>
+            </a:pPr>
+            <a:r>
+              <a:rPr kumimoji="0" lang="en-US" altLang="en-US" sz="1400" b="1" i="0" u="none" strike="noStrike" cap="none" normalizeH="0" baseline="0">
+                <a:ln>
+                  <a:noFill/>
+                </a:ln>
+                <a:solidFill>
+                  <a:srgbClr val="000080"/>
+                </a:solidFill>
+                <a:effectLst/>
+                <a:latin typeface="Courier New" panose="02070309020205020404" pitchFamily="49" charset="0"/>
+                <a:cs typeface="Courier New" panose="02070309020205020404" pitchFamily="49" charset="0"/>
+              </a:rPr>
+              <a:t>import </a:t>
+            </a:r>
+            <a:r>
+              <a:rPr kumimoji="0" lang="en-US" altLang="en-US" sz="1400" b="0" i="0" u="none" strike="noStrike" cap="none" normalizeH="0" baseline="0">
+                <a:ln>
+                  <a:noFill/>
+                </a:ln>
+                <a:solidFill>
+                  <a:srgbClr val="000000"/>
+                </a:solidFill>
+                <a:effectLst/>
+                <a:latin typeface="Courier New" panose="02070309020205020404" pitchFamily="49" charset="0"/>
+                <a:cs typeface="Courier New" panose="02070309020205020404" pitchFamily="49" charset="0"/>
+              </a:rPr>
+              <a:t>{ Component,ViewChild, ElementRef, AfterViewInit } </a:t>
+            </a:r>
+            <a:r>
+              <a:rPr kumimoji="0" lang="en-US" altLang="en-US" sz="1400" b="1" i="0" u="none" strike="noStrike" cap="none" normalizeH="0" baseline="0">
+                <a:ln>
+                  <a:noFill/>
+                </a:ln>
+                <a:solidFill>
+                  <a:srgbClr val="000080"/>
+                </a:solidFill>
+                <a:effectLst/>
+                <a:latin typeface="Courier New" panose="02070309020205020404" pitchFamily="49" charset="0"/>
+                <a:cs typeface="Courier New" panose="02070309020205020404" pitchFamily="49" charset="0"/>
+              </a:rPr>
+              <a:t>from </a:t>
+            </a:r>
+            <a:r>
+              <a:rPr kumimoji="0" lang="en-US" altLang="en-US" sz="1400" b="1" i="0" u="none" strike="noStrike" cap="none" normalizeH="0" baseline="0">
+                <a:ln>
+                  <a:noFill/>
+                </a:ln>
+                <a:solidFill>
+                  <a:srgbClr val="008000"/>
+                </a:solidFill>
+                <a:effectLst/>
+                <a:latin typeface="Courier New" panose="02070309020205020404" pitchFamily="49" charset="0"/>
+                <a:cs typeface="Courier New" panose="02070309020205020404" pitchFamily="49" charset="0"/>
+              </a:rPr>
+              <a:t>'@angular/core'</a:t>
+            </a:r>
+            <a:r>
+              <a:rPr kumimoji="0" lang="en-US" altLang="en-US" sz="1400" b="0" i="0" u="none" strike="noStrike" cap="none" normalizeH="0" baseline="0">
+                <a:ln>
+                  <a:noFill/>
+                </a:ln>
+                <a:solidFill>
+                  <a:srgbClr val="000000"/>
+                </a:solidFill>
+                <a:effectLst/>
+                <a:latin typeface="Courier New" panose="02070309020205020404" pitchFamily="49" charset="0"/>
+                <a:cs typeface="Courier New" panose="02070309020205020404" pitchFamily="49" charset="0"/>
+              </a:rPr>
+              <a:t>;</a:t>
+            </a:r>
+            <a:br>
+              <a:rPr kumimoji="0" lang="en-US" altLang="en-US" sz="1400" b="0" i="0" u="none" strike="noStrike" cap="none" normalizeH="0" baseline="0">
+                <a:ln>
+                  <a:noFill/>
+                </a:ln>
+                <a:solidFill>
+                  <a:srgbClr val="000000"/>
+                </a:solidFill>
+                <a:effectLst/>
+                <a:latin typeface="Courier New" panose="02070309020205020404" pitchFamily="49" charset="0"/>
+                <a:cs typeface="Courier New" panose="02070309020205020404" pitchFamily="49" charset="0"/>
+              </a:rPr>
+            </a:br>
+            <a:r>
+              <a:rPr kumimoji="0" lang="en-US" altLang="en-US" sz="1400" b="1" i="0" u="none" strike="noStrike" cap="none" normalizeH="0" baseline="0">
+                <a:ln>
+                  <a:noFill/>
+                </a:ln>
+                <a:solidFill>
+                  <a:srgbClr val="000080"/>
+                </a:solidFill>
+                <a:effectLst/>
+                <a:latin typeface="Courier New" panose="02070309020205020404" pitchFamily="49" charset="0"/>
+                <a:cs typeface="Courier New" panose="02070309020205020404" pitchFamily="49" charset="0"/>
+              </a:rPr>
+              <a:t>declare const </a:t>
+            </a:r>
+            <a:r>
+              <a:rPr kumimoji="0" lang="en-US" altLang="en-US" sz="1400" b="0" i="0" u="none" strike="noStrike" cap="none" normalizeH="0" baseline="0">
+                <a:ln>
+                  <a:noFill/>
+                </a:ln>
+                <a:solidFill>
+                  <a:srgbClr val="458383"/>
+                </a:solidFill>
+                <a:effectLst/>
+                <a:latin typeface="Courier New" panose="02070309020205020404" pitchFamily="49" charset="0"/>
+                <a:cs typeface="Courier New" panose="02070309020205020404" pitchFamily="49" charset="0"/>
+              </a:rPr>
+              <a:t>jQuery</a:t>
+            </a:r>
+            <a:r>
+              <a:rPr kumimoji="0" lang="en-US" altLang="en-US" sz="1400" b="0" i="0" u="none" strike="noStrike" cap="none" normalizeH="0" baseline="0">
+                <a:ln>
+                  <a:noFill/>
+                </a:ln>
+                <a:solidFill>
+                  <a:srgbClr val="000000"/>
+                </a:solidFill>
+                <a:effectLst/>
+                <a:latin typeface="Courier New" panose="02070309020205020404" pitchFamily="49" charset="0"/>
+                <a:cs typeface="Courier New" panose="02070309020205020404" pitchFamily="49" charset="0"/>
+              </a:rPr>
+              <a:t>: </a:t>
+            </a:r>
+            <a:r>
+              <a:rPr kumimoji="0" lang="en-US" altLang="en-US" sz="1400" b="1" i="0" u="none" strike="noStrike" cap="none" normalizeH="0" baseline="0">
+                <a:ln>
+                  <a:noFill/>
+                </a:ln>
+                <a:solidFill>
+                  <a:srgbClr val="000080"/>
+                </a:solidFill>
+                <a:effectLst/>
+                <a:latin typeface="Courier New" panose="02070309020205020404" pitchFamily="49" charset="0"/>
+                <a:cs typeface="Courier New" panose="02070309020205020404" pitchFamily="49" charset="0"/>
+              </a:rPr>
+              <a:t>any</a:t>
+            </a:r>
+            <a:r>
+              <a:rPr kumimoji="0" lang="en-US" altLang="en-US" sz="1400" b="0" i="0" u="none" strike="noStrike" cap="none" normalizeH="0" baseline="0">
+                <a:ln>
+                  <a:noFill/>
+                </a:ln>
+                <a:solidFill>
+                  <a:srgbClr val="000000"/>
+                </a:solidFill>
+                <a:effectLst/>
+                <a:latin typeface="Courier New" panose="02070309020205020404" pitchFamily="49" charset="0"/>
+                <a:cs typeface="Courier New" panose="02070309020205020404" pitchFamily="49" charset="0"/>
+              </a:rPr>
+              <a:t>;</a:t>
+            </a:r>
+            <a:br>
+              <a:rPr kumimoji="0" lang="en-US" altLang="en-US" sz="1400" b="0" i="0" u="none" strike="noStrike" cap="none" normalizeH="0" baseline="0">
+                <a:ln>
+                  <a:noFill/>
+                </a:ln>
+                <a:solidFill>
+                  <a:srgbClr val="000000"/>
+                </a:solidFill>
+                <a:effectLst/>
+                <a:latin typeface="Courier New" panose="02070309020205020404" pitchFamily="49" charset="0"/>
+                <a:cs typeface="Courier New" panose="02070309020205020404" pitchFamily="49" charset="0"/>
+              </a:rPr>
+            </a:br>
+            <a:br>
+              <a:rPr kumimoji="0" lang="en-US" altLang="en-US" sz="1400" b="0" i="0" u="none" strike="noStrike" cap="none" normalizeH="0" baseline="0">
+                <a:ln>
+                  <a:noFill/>
+                </a:ln>
+                <a:solidFill>
+                  <a:srgbClr val="000000"/>
+                </a:solidFill>
+                <a:effectLst/>
+                <a:latin typeface="Courier New" panose="02070309020205020404" pitchFamily="49" charset="0"/>
+                <a:cs typeface="Courier New" panose="02070309020205020404" pitchFamily="49" charset="0"/>
+              </a:rPr>
+            </a:br>
+            <a:r>
+              <a:rPr kumimoji="0" lang="en-US" altLang="en-US" sz="1400" b="0" i="0" u="none" strike="noStrike" cap="none" normalizeH="0" baseline="0">
+                <a:ln>
+                  <a:noFill/>
+                </a:ln>
+                <a:solidFill>
+                  <a:srgbClr val="000000"/>
+                </a:solidFill>
+                <a:effectLst/>
+                <a:latin typeface="Courier New" panose="02070309020205020404" pitchFamily="49" charset="0"/>
+                <a:cs typeface="Courier New" panose="02070309020205020404" pitchFamily="49" charset="0"/>
+              </a:rPr>
+              <a:t>@Component({</a:t>
+            </a:r>
+            <a:br>
+              <a:rPr kumimoji="0" lang="en-US" altLang="en-US" sz="1400" b="0" i="0" u="none" strike="noStrike" cap="none" normalizeH="0" baseline="0">
+                <a:ln>
+                  <a:noFill/>
+                </a:ln>
+                <a:solidFill>
+                  <a:srgbClr val="000000"/>
+                </a:solidFill>
+                <a:effectLst/>
+                <a:latin typeface="Courier New" panose="02070309020205020404" pitchFamily="49" charset="0"/>
+                <a:cs typeface="Courier New" panose="02070309020205020404" pitchFamily="49" charset="0"/>
+              </a:rPr>
+            </a:br>
+            <a:r>
+              <a:rPr kumimoji="0" lang="en-US" altLang="en-US" sz="1400" b="0" i="0" u="none" strike="noStrike" cap="none" normalizeH="0" baseline="0">
+                <a:ln>
+                  <a:noFill/>
+                </a:ln>
+                <a:solidFill>
+                  <a:srgbClr val="000000"/>
+                </a:solidFill>
+                <a:effectLst/>
+                <a:latin typeface="Courier New" panose="02070309020205020404" pitchFamily="49" charset="0"/>
+                <a:cs typeface="Courier New" panose="02070309020205020404" pitchFamily="49" charset="0"/>
+              </a:rPr>
+              <a:t>  </a:t>
+            </a:r>
+            <a:r>
+              <a:rPr kumimoji="0" lang="en-US" altLang="en-US" sz="1400" b="1" i="0" u="none" strike="noStrike" cap="none" normalizeH="0" baseline="0">
+                <a:ln>
+                  <a:noFill/>
+                </a:ln>
+                <a:solidFill>
+                  <a:srgbClr val="660E7A"/>
+                </a:solidFill>
+                <a:effectLst/>
+                <a:latin typeface="Courier New" panose="02070309020205020404" pitchFamily="49" charset="0"/>
+                <a:cs typeface="Courier New" panose="02070309020205020404" pitchFamily="49" charset="0"/>
+              </a:rPr>
+              <a:t>selector</a:t>
+            </a:r>
+            <a:r>
+              <a:rPr kumimoji="0" lang="en-US" altLang="en-US" sz="1400" b="0" i="0" u="none" strike="noStrike" cap="none" normalizeH="0" baseline="0">
+                <a:ln>
+                  <a:noFill/>
+                </a:ln>
+                <a:solidFill>
+                  <a:srgbClr val="000000"/>
+                </a:solidFill>
+                <a:effectLst/>
+                <a:latin typeface="Courier New" panose="02070309020205020404" pitchFamily="49" charset="0"/>
+                <a:cs typeface="Courier New" panose="02070309020205020404" pitchFamily="49" charset="0"/>
+              </a:rPr>
+              <a:t>: </a:t>
+            </a:r>
+            <a:r>
+              <a:rPr kumimoji="0" lang="en-US" altLang="en-US" sz="1400" b="1" i="0" u="none" strike="noStrike" cap="none" normalizeH="0" baseline="0">
+                <a:ln>
+                  <a:noFill/>
+                </a:ln>
+                <a:solidFill>
+                  <a:srgbClr val="008000"/>
+                </a:solidFill>
+                <a:effectLst/>
+                <a:latin typeface="Courier New" panose="02070309020205020404" pitchFamily="49" charset="0"/>
+                <a:cs typeface="Courier New" panose="02070309020205020404" pitchFamily="49" charset="0"/>
+              </a:rPr>
+              <a:t>'app-root'</a:t>
+            </a:r>
+            <a:r>
+              <a:rPr kumimoji="0" lang="en-US" altLang="en-US" sz="1400" b="0" i="0" u="none" strike="noStrike" cap="none" normalizeH="0" baseline="0">
+                <a:ln>
+                  <a:noFill/>
+                </a:ln>
+                <a:solidFill>
+                  <a:srgbClr val="000000"/>
+                </a:solidFill>
+                <a:effectLst/>
+                <a:latin typeface="Courier New" panose="02070309020205020404" pitchFamily="49" charset="0"/>
+                <a:cs typeface="Courier New" panose="02070309020205020404" pitchFamily="49" charset="0"/>
+              </a:rPr>
+              <a:t>,</a:t>
+            </a:r>
+            <a:br>
+              <a:rPr kumimoji="0" lang="en-US" altLang="en-US" sz="1400" b="0" i="0" u="none" strike="noStrike" cap="none" normalizeH="0" baseline="0">
+                <a:ln>
+                  <a:noFill/>
+                </a:ln>
+                <a:solidFill>
+                  <a:srgbClr val="000000"/>
+                </a:solidFill>
+                <a:effectLst/>
+                <a:latin typeface="Courier New" panose="02070309020205020404" pitchFamily="49" charset="0"/>
+                <a:cs typeface="Courier New" panose="02070309020205020404" pitchFamily="49" charset="0"/>
+              </a:rPr>
+            </a:br>
+            <a:r>
+              <a:rPr kumimoji="0" lang="en-US" altLang="en-US" sz="1400" b="0" i="0" u="none" strike="noStrike" cap="none" normalizeH="0" baseline="0">
+                <a:ln>
+                  <a:noFill/>
+                </a:ln>
+                <a:solidFill>
+                  <a:srgbClr val="000000"/>
+                </a:solidFill>
+                <a:effectLst/>
+                <a:latin typeface="Courier New" panose="02070309020205020404" pitchFamily="49" charset="0"/>
+                <a:cs typeface="Courier New" panose="02070309020205020404" pitchFamily="49" charset="0"/>
+              </a:rPr>
+              <a:t>  </a:t>
+            </a:r>
+            <a:r>
+              <a:rPr kumimoji="0" lang="en-US" altLang="en-US" sz="1400" b="1" i="0" u="none" strike="noStrike" cap="none" normalizeH="0" baseline="0">
+                <a:ln>
+                  <a:noFill/>
+                </a:ln>
+                <a:solidFill>
+                  <a:srgbClr val="660E7A"/>
+                </a:solidFill>
+                <a:effectLst/>
+                <a:latin typeface="Courier New" panose="02070309020205020404" pitchFamily="49" charset="0"/>
+                <a:cs typeface="Courier New" panose="02070309020205020404" pitchFamily="49" charset="0"/>
+              </a:rPr>
+              <a:t>templateUrl</a:t>
+            </a:r>
+            <a:r>
+              <a:rPr kumimoji="0" lang="en-US" altLang="en-US" sz="1400" b="0" i="0" u="none" strike="noStrike" cap="none" normalizeH="0" baseline="0">
+                <a:ln>
+                  <a:noFill/>
+                </a:ln>
+                <a:solidFill>
+                  <a:srgbClr val="000000"/>
+                </a:solidFill>
+                <a:effectLst/>
+                <a:latin typeface="Courier New" panose="02070309020205020404" pitchFamily="49" charset="0"/>
+                <a:cs typeface="Courier New" panose="02070309020205020404" pitchFamily="49" charset="0"/>
+              </a:rPr>
+              <a:t>: </a:t>
+            </a:r>
+            <a:r>
+              <a:rPr kumimoji="0" lang="en-US" altLang="en-US" sz="1400" b="1" i="0" u="none" strike="noStrike" cap="none" normalizeH="0" baseline="0">
+                <a:ln>
+                  <a:noFill/>
+                </a:ln>
+                <a:solidFill>
+                  <a:srgbClr val="008000"/>
+                </a:solidFill>
+                <a:effectLst/>
+                <a:latin typeface="Courier New" panose="02070309020205020404" pitchFamily="49" charset="0"/>
+                <a:cs typeface="Courier New" panose="02070309020205020404" pitchFamily="49" charset="0"/>
+              </a:rPr>
+              <a:t>'./app.component.html'</a:t>
+            </a:r>
+            <a:r>
+              <a:rPr kumimoji="0" lang="en-US" altLang="en-US" sz="1400" b="0" i="0" u="none" strike="noStrike" cap="none" normalizeH="0" baseline="0">
+                <a:ln>
+                  <a:noFill/>
+                </a:ln>
+                <a:solidFill>
+                  <a:srgbClr val="000000"/>
+                </a:solidFill>
+                <a:effectLst/>
+                <a:latin typeface="Courier New" panose="02070309020205020404" pitchFamily="49" charset="0"/>
+                <a:cs typeface="Courier New" panose="02070309020205020404" pitchFamily="49" charset="0"/>
+              </a:rPr>
+              <a:t>,</a:t>
+            </a:r>
+            <a:br>
+              <a:rPr kumimoji="0" lang="en-US" altLang="en-US" sz="1400" b="0" i="0" u="none" strike="noStrike" cap="none" normalizeH="0" baseline="0">
+                <a:ln>
+                  <a:noFill/>
+                </a:ln>
+                <a:solidFill>
+                  <a:srgbClr val="000000"/>
+                </a:solidFill>
+                <a:effectLst/>
+                <a:latin typeface="Courier New" panose="02070309020205020404" pitchFamily="49" charset="0"/>
+                <a:cs typeface="Courier New" panose="02070309020205020404" pitchFamily="49" charset="0"/>
+              </a:rPr>
+            </a:br>
+            <a:r>
+              <a:rPr kumimoji="0" lang="en-US" altLang="en-US" sz="1400" b="0" i="0" u="none" strike="noStrike" cap="none" normalizeH="0" baseline="0">
+                <a:ln>
+                  <a:noFill/>
+                </a:ln>
+                <a:solidFill>
+                  <a:srgbClr val="000000"/>
+                </a:solidFill>
+                <a:effectLst/>
+                <a:latin typeface="Courier New" panose="02070309020205020404" pitchFamily="49" charset="0"/>
+                <a:cs typeface="Courier New" panose="02070309020205020404" pitchFamily="49" charset="0"/>
+              </a:rPr>
+              <a:t>  </a:t>
+            </a:r>
+            <a:r>
+              <a:rPr kumimoji="0" lang="en-US" altLang="en-US" sz="1400" b="1" i="0" u="none" strike="noStrike" cap="none" normalizeH="0" baseline="0">
+                <a:ln>
+                  <a:noFill/>
+                </a:ln>
+                <a:solidFill>
+                  <a:srgbClr val="660E7A"/>
+                </a:solidFill>
+                <a:effectLst/>
+                <a:latin typeface="Courier New" panose="02070309020205020404" pitchFamily="49" charset="0"/>
+                <a:cs typeface="Courier New" panose="02070309020205020404" pitchFamily="49" charset="0"/>
+              </a:rPr>
+              <a:t>styleUrls</a:t>
+            </a:r>
+            <a:r>
+              <a:rPr kumimoji="0" lang="en-US" altLang="en-US" sz="1400" b="0" i="0" u="none" strike="noStrike" cap="none" normalizeH="0" baseline="0">
+                <a:ln>
+                  <a:noFill/>
+                </a:ln>
+                <a:solidFill>
+                  <a:srgbClr val="000000"/>
+                </a:solidFill>
+                <a:effectLst/>
+                <a:latin typeface="Courier New" panose="02070309020205020404" pitchFamily="49" charset="0"/>
+                <a:cs typeface="Courier New" panose="02070309020205020404" pitchFamily="49" charset="0"/>
+              </a:rPr>
+              <a:t>: [</a:t>
+            </a:r>
+            <a:r>
+              <a:rPr kumimoji="0" lang="en-US" altLang="en-US" sz="1400" b="1" i="0" u="none" strike="noStrike" cap="none" normalizeH="0" baseline="0">
+                <a:ln>
+                  <a:noFill/>
+                </a:ln>
+                <a:solidFill>
+                  <a:srgbClr val="008000"/>
+                </a:solidFill>
+                <a:effectLst/>
+                <a:latin typeface="Courier New" panose="02070309020205020404" pitchFamily="49" charset="0"/>
+                <a:cs typeface="Courier New" panose="02070309020205020404" pitchFamily="49" charset="0"/>
+              </a:rPr>
+              <a:t>'./app.component.css'</a:t>
+            </a:r>
+            <a:r>
+              <a:rPr kumimoji="0" lang="en-US" altLang="en-US" sz="1400" b="0" i="0" u="none" strike="noStrike" cap="none" normalizeH="0" baseline="0">
+                <a:ln>
+                  <a:noFill/>
+                </a:ln>
+                <a:solidFill>
+                  <a:srgbClr val="000000"/>
+                </a:solidFill>
+                <a:effectLst/>
+                <a:latin typeface="Courier New" panose="02070309020205020404" pitchFamily="49" charset="0"/>
+                <a:cs typeface="Courier New" panose="02070309020205020404" pitchFamily="49" charset="0"/>
+              </a:rPr>
+              <a:t>]</a:t>
+            </a:r>
+            <a:br>
+              <a:rPr kumimoji="0" lang="en-US" altLang="en-US" sz="1400" b="0" i="0" u="none" strike="noStrike" cap="none" normalizeH="0" baseline="0">
+                <a:ln>
+                  <a:noFill/>
+                </a:ln>
+                <a:solidFill>
+                  <a:srgbClr val="000000"/>
+                </a:solidFill>
+                <a:effectLst/>
+                <a:latin typeface="Courier New" panose="02070309020205020404" pitchFamily="49" charset="0"/>
+                <a:cs typeface="Courier New" panose="02070309020205020404" pitchFamily="49" charset="0"/>
+              </a:rPr>
+            </a:br>
+            <a:r>
+              <a:rPr kumimoji="0" lang="en-US" altLang="en-US" sz="1400" b="0" i="0" u="none" strike="noStrike" cap="none" normalizeH="0" baseline="0">
+                <a:ln>
+                  <a:noFill/>
+                </a:ln>
+                <a:solidFill>
+                  <a:srgbClr val="000000"/>
+                </a:solidFill>
+                <a:effectLst/>
+                <a:latin typeface="Courier New" panose="02070309020205020404" pitchFamily="49" charset="0"/>
+                <a:cs typeface="Courier New" panose="02070309020205020404" pitchFamily="49" charset="0"/>
+              </a:rPr>
+              <a:t>})</a:t>
+            </a:r>
+            <a:br>
+              <a:rPr kumimoji="0" lang="en-US" altLang="en-US" sz="1400" b="0" i="0" u="none" strike="noStrike" cap="none" normalizeH="0" baseline="0">
+                <a:ln>
+                  <a:noFill/>
+                </a:ln>
+                <a:solidFill>
+                  <a:srgbClr val="000000"/>
+                </a:solidFill>
+                <a:effectLst/>
+                <a:latin typeface="Courier New" panose="02070309020205020404" pitchFamily="49" charset="0"/>
+                <a:cs typeface="Courier New" panose="02070309020205020404" pitchFamily="49" charset="0"/>
+              </a:rPr>
+            </a:br>
+            <a:r>
+              <a:rPr kumimoji="0" lang="en-US" altLang="en-US" sz="1400" b="1" i="0" u="none" strike="noStrike" cap="none" normalizeH="0" baseline="0">
+                <a:ln>
+                  <a:noFill/>
+                </a:ln>
+                <a:solidFill>
+                  <a:srgbClr val="000080"/>
+                </a:solidFill>
+                <a:effectLst/>
+                <a:latin typeface="Courier New" panose="02070309020205020404" pitchFamily="49" charset="0"/>
+                <a:cs typeface="Courier New" panose="02070309020205020404" pitchFamily="49" charset="0"/>
+              </a:rPr>
+              <a:t>export class </a:t>
+            </a:r>
+            <a:r>
+              <a:rPr kumimoji="0" lang="en-US" altLang="en-US" sz="1400" b="0" i="0" u="none" strike="noStrike" cap="none" normalizeH="0" baseline="0">
+                <a:ln>
+                  <a:noFill/>
+                </a:ln>
+                <a:solidFill>
+                  <a:srgbClr val="000000"/>
+                </a:solidFill>
+                <a:effectLst/>
+                <a:latin typeface="Courier New" panose="02070309020205020404" pitchFamily="49" charset="0"/>
+                <a:cs typeface="Courier New" panose="02070309020205020404" pitchFamily="49" charset="0"/>
+              </a:rPr>
+              <a:t>AppComponent </a:t>
+            </a:r>
+            <a:r>
+              <a:rPr kumimoji="0" lang="en-US" altLang="en-US" sz="1400" b="1" i="0" u="none" strike="noStrike" cap="none" normalizeH="0" baseline="0">
+                <a:ln>
+                  <a:noFill/>
+                </a:ln>
+                <a:solidFill>
+                  <a:srgbClr val="000080"/>
+                </a:solidFill>
+                <a:effectLst/>
+                <a:latin typeface="Courier New" panose="02070309020205020404" pitchFamily="49" charset="0"/>
+                <a:cs typeface="Courier New" panose="02070309020205020404" pitchFamily="49" charset="0"/>
+              </a:rPr>
+              <a:t>implements </a:t>
+            </a:r>
+            <a:r>
+              <a:rPr kumimoji="0" lang="en-US" altLang="en-US" sz="1400" b="0" i="0" u="none" strike="noStrike" cap="none" normalizeH="0" baseline="0">
+                <a:ln>
+                  <a:noFill/>
+                </a:ln>
+                <a:solidFill>
+                  <a:srgbClr val="000000"/>
+                </a:solidFill>
+                <a:effectLst/>
+                <a:latin typeface="Courier New" panose="02070309020205020404" pitchFamily="49" charset="0"/>
+                <a:cs typeface="Courier New" panose="02070309020205020404" pitchFamily="49" charset="0"/>
+              </a:rPr>
+              <a:t>AfterViewInit {</a:t>
+            </a:r>
+            <a:br>
+              <a:rPr kumimoji="0" lang="en-US" altLang="en-US" sz="1400" b="0" i="0" u="none" strike="noStrike" cap="none" normalizeH="0" baseline="0">
+                <a:ln>
+                  <a:noFill/>
+                </a:ln>
+                <a:solidFill>
+                  <a:srgbClr val="000000"/>
+                </a:solidFill>
+                <a:effectLst/>
+                <a:latin typeface="Courier New" panose="02070309020205020404" pitchFamily="49" charset="0"/>
+                <a:cs typeface="Courier New" panose="02070309020205020404" pitchFamily="49" charset="0"/>
+              </a:rPr>
+            </a:br>
+            <a:br>
+              <a:rPr kumimoji="0" lang="en-US" altLang="en-US" sz="1400" b="0" i="0" u="none" strike="noStrike" cap="none" normalizeH="0" baseline="0">
+                <a:ln>
+                  <a:noFill/>
+                </a:ln>
+                <a:solidFill>
+                  <a:srgbClr val="000000"/>
+                </a:solidFill>
+                <a:effectLst/>
+                <a:latin typeface="Courier New" panose="02070309020205020404" pitchFamily="49" charset="0"/>
+                <a:cs typeface="Courier New" panose="02070309020205020404" pitchFamily="49" charset="0"/>
+              </a:rPr>
+            </a:br>
+            <a:r>
+              <a:rPr kumimoji="0" lang="en-US" altLang="en-US" sz="1400" b="0" i="0" u="none" strike="noStrike" cap="none" normalizeH="0" baseline="0">
+                <a:ln>
+                  <a:noFill/>
+                </a:ln>
+                <a:solidFill>
+                  <a:srgbClr val="000000"/>
+                </a:solidFill>
+                <a:effectLst/>
+                <a:latin typeface="Courier New" panose="02070309020205020404" pitchFamily="49" charset="0"/>
+                <a:cs typeface="Courier New" panose="02070309020205020404" pitchFamily="49" charset="0"/>
+              </a:rPr>
+              <a:t>  @ViewChild(</a:t>
+            </a:r>
+            <a:r>
+              <a:rPr kumimoji="0" lang="en-US" altLang="en-US" sz="1400" b="1" i="0" u="none" strike="noStrike" cap="none" normalizeH="0" baseline="0">
+                <a:ln>
+                  <a:noFill/>
+                </a:ln>
+                <a:solidFill>
+                  <a:srgbClr val="008000"/>
+                </a:solidFill>
+                <a:effectLst/>
+                <a:latin typeface="Courier New" panose="02070309020205020404" pitchFamily="49" charset="0"/>
+                <a:cs typeface="Courier New" panose="02070309020205020404" pitchFamily="49" charset="0"/>
+              </a:rPr>
+              <a:t>'input'</a:t>
+            </a:r>
+            <a:r>
+              <a:rPr kumimoji="0" lang="en-US" altLang="en-US" sz="1400" b="0" i="0" u="none" strike="noStrike" cap="none" normalizeH="0" baseline="0">
+                <a:ln>
+                  <a:noFill/>
+                </a:ln>
+                <a:solidFill>
+                  <a:srgbClr val="000000"/>
+                </a:solidFill>
+                <a:effectLst/>
+                <a:latin typeface="Courier New" panose="02070309020205020404" pitchFamily="49" charset="0"/>
+                <a:cs typeface="Courier New" panose="02070309020205020404" pitchFamily="49" charset="0"/>
+              </a:rPr>
+              <a:t>) </a:t>
+            </a:r>
+            <a:r>
+              <a:rPr kumimoji="0" lang="en-US" altLang="en-US" sz="1400" b="1" i="0" u="none" strike="noStrike" cap="none" normalizeH="0" baseline="0">
+                <a:ln>
+                  <a:noFill/>
+                </a:ln>
+                <a:solidFill>
+                  <a:srgbClr val="660E7A"/>
+                </a:solidFill>
+                <a:effectLst/>
+                <a:latin typeface="Courier New" panose="02070309020205020404" pitchFamily="49" charset="0"/>
+                <a:cs typeface="Courier New" panose="02070309020205020404" pitchFamily="49" charset="0"/>
+              </a:rPr>
+              <a:t>input</a:t>
+            </a:r>
+            <a:r>
+              <a:rPr kumimoji="0" lang="en-US" altLang="en-US" sz="1400" b="0" i="0" u="none" strike="noStrike" cap="none" normalizeH="0" baseline="0">
+                <a:ln>
+                  <a:noFill/>
+                </a:ln>
+                <a:solidFill>
+                  <a:srgbClr val="000000"/>
+                </a:solidFill>
+                <a:effectLst/>
+                <a:latin typeface="Courier New" panose="02070309020205020404" pitchFamily="49" charset="0"/>
+                <a:cs typeface="Courier New" panose="02070309020205020404" pitchFamily="49" charset="0"/>
+              </a:rPr>
+              <a:t>: ElementRef;</a:t>
+            </a:r>
+            <a:br>
+              <a:rPr kumimoji="0" lang="en-US" altLang="en-US" sz="1400" b="0" i="0" u="none" strike="noStrike" cap="none" normalizeH="0" baseline="0">
+                <a:ln>
+                  <a:noFill/>
+                </a:ln>
+                <a:solidFill>
+                  <a:srgbClr val="000000"/>
+                </a:solidFill>
+                <a:effectLst/>
+                <a:latin typeface="Courier New" panose="02070309020205020404" pitchFamily="49" charset="0"/>
+                <a:cs typeface="Courier New" panose="02070309020205020404" pitchFamily="49" charset="0"/>
+              </a:rPr>
+            </a:br>
+            <a:br>
+              <a:rPr kumimoji="0" lang="en-US" altLang="en-US" sz="1400" b="0" i="0" u="none" strike="noStrike" cap="none" normalizeH="0" baseline="0">
+                <a:ln>
+                  <a:noFill/>
+                </a:ln>
+                <a:solidFill>
+                  <a:srgbClr val="000000"/>
+                </a:solidFill>
+                <a:effectLst/>
+                <a:latin typeface="Courier New" panose="02070309020205020404" pitchFamily="49" charset="0"/>
+                <a:cs typeface="Courier New" panose="02070309020205020404" pitchFamily="49" charset="0"/>
+              </a:rPr>
+            </a:br>
+            <a:r>
+              <a:rPr kumimoji="0" lang="en-US" altLang="en-US" sz="1400" b="0" i="0" u="none" strike="noStrike" cap="none" normalizeH="0" baseline="0">
+                <a:ln>
+                  <a:noFill/>
+                </a:ln>
+                <a:solidFill>
+                  <a:srgbClr val="000000"/>
+                </a:solidFill>
+                <a:effectLst/>
+                <a:latin typeface="Courier New" panose="02070309020205020404" pitchFamily="49" charset="0"/>
+                <a:cs typeface="Courier New" panose="02070309020205020404" pitchFamily="49" charset="0"/>
+              </a:rPr>
+              <a:t>  </a:t>
+            </a:r>
+            <a:r>
+              <a:rPr kumimoji="0" lang="en-US" altLang="en-US" sz="1400" b="0" i="0" u="none" strike="noStrike" cap="none" normalizeH="0" baseline="0">
+                <a:ln>
+                  <a:noFill/>
+                </a:ln>
+                <a:solidFill>
+                  <a:srgbClr val="7A7A43"/>
+                </a:solidFill>
+                <a:effectLst/>
+                <a:latin typeface="Courier New" panose="02070309020205020404" pitchFamily="49" charset="0"/>
+                <a:cs typeface="Courier New" panose="02070309020205020404" pitchFamily="49" charset="0"/>
+              </a:rPr>
+              <a:t>ngAfterViewInit</a:t>
+            </a:r>
+            <a:r>
+              <a:rPr kumimoji="0" lang="en-US" altLang="en-US" sz="1400" b="0" i="0" u="none" strike="noStrike" cap="none" normalizeH="0" baseline="0">
+                <a:ln>
+                  <a:noFill/>
+                </a:ln>
+                <a:solidFill>
+                  <a:srgbClr val="000000"/>
+                </a:solidFill>
+                <a:effectLst/>
+                <a:latin typeface="Courier New" panose="02070309020205020404" pitchFamily="49" charset="0"/>
+                <a:cs typeface="Courier New" panose="02070309020205020404" pitchFamily="49" charset="0"/>
+              </a:rPr>
+              <a:t>() {</a:t>
+            </a:r>
+            <a:br>
+              <a:rPr kumimoji="0" lang="en-US" altLang="en-US" sz="1400" b="0" i="0" u="none" strike="noStrike" cap="none" normalizeH="0" baseline="0">
+                <a:ln>
+                  <a:noFill/>
+                </a:ln>
+                <a:solidFill>
+                  <a:srgbClr val="000000"/>
+                </a:solidFill>
+                <a:effectLst/>
+                <a:latin typeface="Courier New" panose="02070309020205020404" pitchFamily="49" charset="0"/>
+                <a:cs typeface="Courier New" panose="02070309020205020404" pitchFamily="49" charset="0"/>
+              </a:rPr>
+            </a:br>
+            <a:r>
+              <a:rPr kumimoji="0" lang="en-US" altLang="en-US" sz="1400" b="0" i="0" u="none" strike="noStrike" cap="none" normalizeH="0" baseline="0">
+                <a:ln>
+                  <a:noFill/>
+                </a:ln>
+                <a:solidFill>
+                  <a:srgbClr val="000000"/>
+                </a:solidFill>
+                <a:effectLst/>
+                <a:latin typeface="Courier New" panose="02070309020205020404" pitchFamily="49" charset="0"/>
+                <a:cs typeface="Courier New" panose="02070309020205020404" pitchFamily="49" charset="0"/>
+              </a:rPr>
+              <a:t>    </a:t>
+            </a:r>
+            <a:r>
+              <a:rPr kumimoji="0" lang="en-US" altLang="en-US" sz="1400" b="0" i="0" u="none" strike="noStrike" cap="none" normalizeH="0" baseline="0">
+                <a:ln>
+                  <a:noFill/>
+                </a:ln>
+                <a:solidFill>
+                  <a:srgbClr val="458383"/>
+                </a:solidFill>
+                <a:effectLst/>
+                <a:latin typeface="Courier New" panose="02070309020205020404" pitchFamily="49" charset="0"/>
+                <a:cs typeface="Courier New" panose="02070309020205020404" pitchFamily="49" charset="0"/>
+              </a:rPr>
+              <a:t>jQuery</a:t>
+            </a:r>
+            <a:r>
+              <a:rPr kumimoji="0" lang="en-US" altLang="en-US" sz="1400" b="0" i="0" u="none" strike="noStrike" cap="none" normalizeH="0" baseline="0">
+                <a:ln>
+                  <a:noFill/>
+                </a:ln>
+                <a:solidFill>
+                  <a:srgbClr val="000000"/>
+                </a:solidFill>
+                <a:effectLst/>
+                <a:latin typeface="Courier New" panose="02070309020205020404" pitchFamily="49" charset="0"/>
+                <a:cs typeface="Courier New" panose="02070309020205020404" pitchFamily="49" charset="0"/>
+              </a:rPr>
+              <a:t>(</a:t>
+            </a:r>
+            <a:r>
+              <a:rPr kumimoji="0" lang="en-US" altLang="en-US" sz="1400" b="1" i="0" u="none" strike="noStrike" cap="none" normalizeH="0" baseline="0">
+                <a:ln>
+                  <a:noFill/>
+                </a:ln>
+                <a:solidFill>
+                  <a:srgbClr val="000080"/>
+                </a:solidFill>
+                <a:effectLst/>
+                <a:latin typeface="Courier New" panose="02070309020205020404" pitchFamily="49" charset="0"/>
+                <a:cs typeface="Courier New" panose="02070309020205020404" pitchFamily="49" charset="0"/>
+              </a:rPr>
+              <a:t>this</a:t>
+            </a:r>
+            <a:r>
+              <a:rPr kumimoji="0" lang="en-US" altLang="en-US" sz="1400" b="0" i="0" u="none" strike="noStrike" cap="none" normalizeH="0" baseline="0">
+                <a:ln>
+                  <a:noFill/>
+                </a:ln>
+                <a:solidFill>
+                  <a:srgbClr val="000000"/>
+                </a:solidFill>
+                <a:effectLst/>
+                <a:latin typeface="Courier New" panose="02070309020205020404" pitchFamily="49" charset="0"/>
+                <a:cs typeface="Courier New" panose="02070309020205020404" pitchFamily="49" charset="0"/>
+              </a:rPr>
+              <a:t>.</a:t>
+            </a:r>
+            <a:r>
+              <a:rPr kumimoji="0" lang="en-US" altLang="en-US" sz="1400" b="1" i="0" u="none" strike="noStrike" cap="none" normalizeH="0" baseline="0">
+                <a:ln>
+                  <a:noFill/>
+                </a:ln>
+                <a:solidFill>
+                  <a:srgbClr val="660E7A"/>
+                </a:solidFill>
+                <a:effectLst/>
+                <a:latin typeface="Courier New" panose="02070309020205020404" pitchFamily="49" charset="0"/>
+                <a:cs typeface="Courier New" panose="02070309020205020404" pitchFamily="49" charset="0"/>
+              </a:rPr>
+              <a:t>input</a:t>
+            </a:r>
+            <a:r>
+              <a:rPr kumimoji="0" lang="en-US" altLang="en-US" sz="1400" b="0" i="0" u="none" strike="noStrike" cap="none" normalizeH="0" baseline="0">
+                <a:ln>
+                  <a:noFill/>
+                </a:ln>
+                <a:solidFill>
+                  <a:srgbClr val="000000"/>
+                </a:solidFill>
+                <a:effectLst/>
+                <a:latin typeface="Courier New" panose="02070309020205020404" pitchFamily="49" charset="0"/>
+                <a:cs typeface="Courier New" panose="02070309020205020404" pitchFamily="49" charset="0"/>
+              </a:rPr>
+              <a:t>.</a:t>
+            </a:r>
+            <a:r>
+              <a:rPr kumimoji="0" lang="en-US" altLang="en-US" sz="1400" b="1" i="0" u="none" strike="noStrike" cap="none" normalizeH="0" baseline="0">
+                <a:ln>
+                  <a:noFill/>
+                </a:ln>
+                <a:solidFill>
+                  <a:srgbClr val="660E7A"/>
+                </a:solidFill>
+                <a:effectLst/>
+                <a:latin typeface="Courier New" panose="02070309020205020404" pitchFamily="49" charset="0"/>
+                <a:cs typeface="Courier New" panose="02070309020205020404" pitchFamily="49" charset="0"/>
+              </a:rPr>
+              <a:t>nativeElement</a:t>
+            </a:r>
+            <a:r>
+              <a:rPr kumimoji="0" lang="en-US" altLang="en-US" sz="1400" b="0" i="0" u="none" strike="noStrike" cap="none" normalizeH="0" baseline="0">
+                <a:ln>
+                  <a:noFill/>
+                </a:ln>
+                <a:solidFill>
+                  <a:srgbClr val="000000"/>
+                </a:solidFill>
+                <a:effectLst/>
+                <a:latin typeface="Courier New" panose="02070309020205020404" pitchFamily="49" charset="0"/>
+                <a:cs typeface="Courier New" panose="02070309020205020404" pitchFamily="49" charset="0"/>
+              </a:rPr>
+              <a:t>).datepicker();</a:t>
+            </a:r>
+            <a:br>
+              <a:rPr kumimoji="0" lang="en-US" altLang="en-US" sz="1400" b="0" i="0" u="none" strike="noStrike" cap="none" normalizeH="0" baseline="0">
+                <a:ln>
+                  <a:noFill/>
+                </a:ln>
+                <a:solidFill>
+                  <a:srgbClr val="000000"/>
+                </a:solidFill>
+                <a:effectLst/>
+                <a:latin typeface="Courier New" panose="02070309020205020404" pitchFamily="49" charset="0"/>
+                <a:cs typeface="Courier New" panose="02070309020205020404" pitchFamily="49" charset="0"/>
+              </a:rPr>
+            </a:br>
+            <a:r>
+              <a:rPr kumimoji="0" lang="en-US" altLang="en-US" sz="1400" b="0" i="0" u="none" strike="noStrike" cap="none" normalizeH="0" baseline="0">
+                <a:ln>
+                  <a:noFill/>
+                </a:ln>
+                <a:solidFill>
+                  <a:srgbClr val="000000"/>
+                </a:solidFill>
+                <a:effectLst/>
+                <a:latin typeface="Courier New" panose="02070309020205020404" pitchFamily="49" charset="0"/>
+                <a:cs typeface="Courier New" panose="02070309020205020404" pitchFamily="49" charset="0"/>
+              </a:rPr>
+              <a:t>  }</a:t>
+            </a:r>
+            <a:br>
+              <a:rPr kumimoji="0" lang="en-US" altLang="en-US" sz="1400" b="0" i="0" u="none" strike="noStrike" cap="none" normalizeH="0" baseline="0">
+                <a:ln>
+                  <a:noFill/>
+                </a:ln>
+                <a:solidFill>
+                  <a:srgbClr val="000000"/>
+                </a:solidFill>
+                <a:effectLst/>
+                <a:latin typeface="Courier New" panose="02070309020205020404" pitchFamily="49" charset="0"/>
+                <a:cs typeface="Courier New" panose="02070309020205020404" pitchFamily="49" charset="0"/>
+              </a:rPr>
+            </a:br>
+            <a:r>
+              <a:rPr kumimoji="0" lang="en-US" altLang="en-US" sz="1400" b="0" i="0" u="none" strike="noStrike" cap="none" normalizeH="0" baseline="0">
+                <a:ln>
+                  <a:noFill/>
+                </a:ln>
+                <a:solidFill>
+                  <a:srgbClr val="000000"/>
+                </a:solidFill>
+                <a:effectLst/>
+                <a:latin typeface="Courier New" panose="02070309020205020404" pitchFamily="49" charset="0"/>
+                <a:cs typeface="Courier New" panose="02070309020205020404" pitchFamily="49" charset="0"/>
+              </a:rPr>
+              <a:t>  </a:t>
+            </a:r>
+            <a:br>
+              <a:rPr kumimoji="0" lang="en-US" altLang="en-US" sz="1400" b="0" i="0" u="none" strike="noStrike" cap="none" normalizeH="0" baseline="0">
+                <a:ln>
+                  <a:noFill/>
+                </a:ln>
+                <a:solidFill>
+                  <a:srgbClr val="000000"/>
+                </a:solidFill>
+                <a:effectLst/>
+                <a:latin typeface="Courier New" panose="02070309020205020404" pitchFamily="49" charset="0"/>
+                <a:cs typeface="Courier New" panose="02070309020205020404" pitchFamily="49" charset="0"/>
+              </a:rPr>
+            </a:br>
+            <a:r>
+              <a:rPr kumimoji="0" lang="en-US" altLang="en-US" sz="1400" b="0" i="0" u="none" strike="noStrike" cap="none" normalizeH="0" baseline="0">
+                <a:ln>
+                  <a:noFill/>
+                </a:ln>
+                <a:solidFill>
+                  <a:srgbClr val="000000"/>
+                </a:solidFill>
+                <a:effectLst/>
+                <a:latin typeface="Courier New" panose="02070309020205020404" pitchFamily="49" charset="0"/>
+                <a:cs typeface="Courier New" panose="02070309020205020404" pitchFamily="49" charset="0"/>
+              </a:rPr>
+              <a:t>}</a:t>
+            </a:r>
+            <a:endParaRPr kumimoji="0" lang="en-US" altLang="en-US" sz="3600" b="0" i="0" u="none" strike="noStrike" cap="none" normalizeH="0" baseline="0">
+              <a:ln>
+                <a:noFill/>
+              </a:ln>
+              <a:solidFill>
+                <a:schemeClr val="tx1"/>
+              </a:solidFill>
+              <a:effectLst/>
+              <a:latin typeface="Arial" panose="020B0604020202020204" pitchFamily="34" charset="0"/>
+            </a:endParaRPr>
+          </a:p>
+        </p:txBody>
+      </p:sp>
+      <p:sp>
+        <p:nvSpPr>
+          <p:cNvPr id="7" name="Rectangle 6"/>
+          <p:cNvSpPr/>
+          <p:nvPr/>
+        </p:nvSpPr>
+        <p:spPr>
+          <a:xfrm>
+            <a:off x="6300192" y="2420888"/>
+            <a:ext cx="2736304" cy="1440160"/>
+          </a:xfrm>
+          <a:prstGeom prst="rect">
+            <a:avLst/>
+          </a:prstGeom>
+          <a:solidFill>
+            <a:schemeClr val="accent2"/>
+          </a:solidFill>
+        </p:spPr>
+        <p:style>
+          <a:lnRef idx="2">
+            <a:schemeClr val="accent1">
+              <a:shade val="50000"/>
+            </a:schemeClr>
+          </a:lnRef>
+          <a:fillRef idx="1">
+            <a:schemeClr val="accent1"/>
+          </a:fillRef>
+          <a:effectRef idx="0">
+            <a:schemeClr val="accent1"/>
+          </a:effectRef>
+          <a:fontRef idx="minor">
+            <a:schemeClr val="lt1"/>
+          </a:fontRef>
+        </p:style>
+        <p:txBody>
+          <a:bodyPr rtlCol="0" anchor="ctr"/>
+          <a:lstStyle/>
+          <a:p>
+            <a:r>
+              <a:rPr lang="en-US" dirty="0"/>
+              <a:t>Using the reference to the element, angular let us use </a:t>
+            </a:r>
+            <a:r>
+              <a:rPr lang="en-US" dirty="0" err="1"/>
+              <a:t>Jquery</a:t>
+            </a:r>
+            <a:r>
+              <a:rPr lang="en-US" dirty="0"/>
+              <a:t> when needed in order to manipulate or using </a:t>
+            </a:r>
+            <a:r>
+              <a:rPr lang="en-US" dirty="0" err="1"/>
+              <a:t>Jquery</a:t>
+            </a:r>
+            <a:r>
+              <a:rPr lang="en-US" dirty="0"/>
+              <a:t>-UI</a:t>
+            </a:r>
+          </a:p>
+        </p:txBody>
+      </p:sp>
+      <p:cxnSp>
+        <p:nvCxnSpPr>
+          <p:cNvPr id="9" name="Straight Arrow Connector 8"/>
+          <p:cNvCxnSpPr/>
+          <p:nvPr/>
+        </p:nvCxnSpPr>
+        <p:spPr>
+          <a:xfrm flipH="1">
+            <a:off x="3995936" y="3140968"/>
+            <a:ext cx="2304256" cy="1008112"/>
+          </a:xfrm>
+          <a:prstGeom prst="straightConnector1">
+            <a:avLst/>
+          </a:prstGeom>
+          <a:ln>
+            <a:tailEnd type="triangle"/>
+          </a:ln>
+        </p:spPr>
+        <p:style>
+          <a:lnRef idx="1">
+            <a:schemeClr val="accent1"/>
+          </a:lnRef>
+          <a:fillRef idx="0">
+            <a:schemeClr val="accent1"/>
+          </a:fillRef>
+          <a:effectRef idx="0">
+            <a:schemeClr val="accent1"/>
+          </a:effectRef>
+          <a:fontRef idx="minor">
+            <a:schemeClr val="tx1"/>
+          </a:fontRef>
+        </p:style>
+      </p:cxnSp>
+      <p:sp>
+        <p:nvSpPr>
+          <p:cNvPr id="10" name="Rectangle 9"/>
+          <p:cNvSpPr/>
+          <p:nvPr/>
+        </p:nvSpPr>
+        <p:spPr>
+          <a:xfrm>
+            <a:off x="4932040" y="5441370"/>
+            <a:ext cx="3384376" cy="1296144"/>
+          </a:xfrm>
+          <a:prstGeom prst="rect">
+            <a:avLst/>
+          </a:prstGeom>
+          <a:solidFill>
+            <a:schemeClr val="accent2"/>
+          </a:solidFill>
+        </p:spPr>
+        <p:style>
+          <a:lnRef idx="2">
+            <a:schemeClr val="accent1">
+              <a:shade val="50000"/>
+            </a:schemeClr>
+          </a:lnRef>
+          <a:fillRef idx="1">
+            <a:schemeClr val="accent1"/>
+          </a:fillRef>
+          <a:effectRef idx="0">
+            <a:schemeClr val="accent1"/>
+          </a:effectRef>
+          <a:fontRef idx="minor">
+            <a:schemeClr val="lt1"/>
+          </a:fontRef>
+        </p:style>
+        <p:txBody>
+          <a:bodyPr rtlCol="0" anchor="ctr"/>
+          <a:lstStyle/>
+          <a:p>
+            <a:r>
+              <a:rPr lang="en-US" dirty="0"/>
+              <a:t>Implementing the </a:t>
+            </a:r>
+            <a:r>
+              <a:rPr lang="en-US" dirty="0" err="1"/>
+              <a:t>Jquey</a:t>
+            </a:r>
+            <a:r>
+              <a:rPr lang="en-US" dirty="0"/>
+              <a:t> on the </a:t>
+            </a:r>
+            <a:r>
+              <a:rPr lang="en-US" dirty="0" err="1"/>
+              <a:t>afterViewInit</a:t>
+            </a:r>
+            <a:r>
+              <a:rPr lang="en-US" dirty="0"/>
+              <a:t> cycle phase is a must for only after this phase the </a:t>
+            </a:r>
+            <a:r>
+              <a:rPr lang="en-US" dirty="0" err="1"/>
+              <a:t>ViewChild</a:t>
+            </a:r>
+            <a:r>
+              <a:rPr lang="en-US" dirty="0"/>
+              <a:t> properties are ready to use</a:t>
+            </a:r>
+          </a:p>
+        </p:txBody>
+      </p:sp>
+      <p:cxnSp>
+        <p:nvCxnSpPr>
+          <p:cNvPr id="12" name="Straight Arrow Connector 11"/>
+          <p:cNvCxnSpPr>
+            <a:cxnSpLocks/>
+            <a:stCxn id="10" idx="0"/>
+          </p:cNvCxnSpPr>
+          <p:nvPr/>
+        </p:nvCxnSpPr>
+        <p:spPr>
+          <a:xfrm flipH="1" flipV="1">
+            <a:off x="4499992" y="5058882"/>
+            <a:ext cx="2124236" cy="382488"/>
+          </a:xfrm>
+          <a:prstGeom prst="straightConnector1">
+            <a:avLst/>
+          </a:prstGeom>
+          <a:ln>
+            <a:tailEnd type="triangle"/>
+          </a:ln>
+        </p:spPr>
+        <p:style>
+          <a:lnRef idx="1">
+            <a:schemeClr val="accent1"/>
+          </a:lnRef>
+          <a:fillRef idx="0">
+            <a:schemeClr val="accent1"/>
+          </a:fillRef>
+          <a:effectRef idx="0">
+            <a:schemeClr val="accent1"/>
+          </a:effectRef>
+          <a:fontRef idx="minor">
+            <a:schemeClr val="tx1"/>
+          </a:fontRef>
+        </p:style>
+      </p:cxnSp>
+    </p:spTree>
+    <p:extLst>
+      <p:ext uri="{BB962C8B-B14F-4D97-AF65-F5344CB8AC3E}">
+        <p14:creationId xmlns:p14="http://schemas.microsoft.com/office/powerpoint/2010/main" val="2356169959"/>
+      </p:ext>
+    </p:extLst>
+  </p:cSld>
+  <p:clrMapOvr>
+    <a:masterClrMapping/>
+  </p:clrMapOvr>
+</p:sld>
+</file>
+
+<file path=ppt/slides/slide26.xml><?xml version="1.0" encoding="utf-8"?>
+<p:sld xmlns:a="http://schemas.openxmlformats.org/drawingml/2006/main" xmlns:r="http://schemas.openxmlformats.org/officeDocument/2006/relationships" xmlns:p="http://schemas.openxmlformats.org/presentationml/2006/main">
+  <p:cSld>
+    <p:spTree>
+      <p:nvGrpSpPr>
+        <p:cNvPr id="1" name=""/>
+        <p:cNvGrpSpPr/>
+        <p:nvPr/>
+      </p:nvGrpSpPr>
+      <p:grpSpPr>
+        <a:xfrm>
+          <a:off x="0" y="0"/>
+          <a:ext cx="0" cy="0"/>
+          <a:chOff x="0" y="0"/>
+          <a:chExt cx="0" cy="0"/>
+        </a:xfrm>
+      </p:grpSpPr>
+      <p:sp>
+        <p:nvSpPr>
+          <p:cNvPr id="2" name="Title 1"/>
+          <p:cNvSpPr>
+            <a:spLocks noGrp="1"/>
+          </p:cNvSpPr>
+          <p:nvPr>
+            <p:ph type="title"/>
+          </p:nvPr>
+        </p:nvSpPr>
+        <p:spPr/>
+        <p:txBody>
+          <a:bodyPr>
+            <a:normAutofit fontScale="90000"/>
+          </a:bodyPr>
+          <a:lstStyle/>
+          <a:p>
+            <a:r>
+              <a:rPr lang="en-US" dirty="0"/>
+              <a:t>Wrapping </a:t>
+            </a:r>
+            <a:r>
+              <a:rPr lang="en-US" dirty="0" err="1"/>
+              <a:t>Jquery</a:t>
+            </a:r>
+            <a:r>
+              <a:rPr lang="en-US" dirty="0"/>
+              <a:t> plugin with Angular</a:t>
+            </a:r>
+          </a:p>
+        </p:txBody>
+      </p:sp>
+      <p:sp>
+        <p:nvSpPr>
+          <p:cNvPr id="3" name="Footer Placeholder 2"/>
+          <p:cNvSpPr>
+            <a:spLocks noGrp="1"/>
+          </p:cNvSpPr>
+          <p:nvPr>
+            <p:ph type="ftr" sz="quarter" idx="11"/>
+          </p:nvPr>
+        </p:nvSpPr>
+        <p:spPr/>
+        <p:txBody>
+          <a:bodyPr/>
+          <a:lstStyle/>
+          <a:p>
+            <a:r>
+              <a:rPr lang="en-US" dirty="0"/>
+              <a:t>© 2017 Ori Calvo</a:t>
+            </a:r>
+          </a:p>
+        </p:txBody>
+      </p:sp>
+      <p:sp>
+        <p:nvSpPr>
+          <p:cNvPr id="4" name="Slide Number Placeholder 3"/>
+          <p:cNvSpPr>
+            <a:spLocks noGrp="1"/>
+          </p:cNvSpPr>
+          <p:nvPr>
+            <p:ph type="sldNum" sz="quarter" idx="12"/>
+          </p:nvPr>
+        </p:nvSpPr>
+        <p:spPr/>
+        <p:txBody>
+          <a:bodyPr>
+            <a:normAutofit fontScale="85000" lnSpcReduction="20000"/>
+          </a:bodyPr>
+          <a:lstStyle/>
+          <a:p>
+            <a:fld id="{6EDEC3BC-0694-4586-AE63-02B4D54ABF43}" type="slidenum">
+              <a:rPr lang="en-US" smtClean="0"/>
+              <a:pPr/>
+              <a:t>26</a:t>
+            </a:fld>
+            <a:endParaRPr lang="en-US"/>
+          </a:p>
+        </p:txBody>
+      </p:sp>
+      <p:sp>
+        <p:nvSpPr>
+          <p:cNvPr id="5" name="Content Placeholder 4"/>
+          <p:cNvSpPr>
+            <a:spLocks noGrp="1"/>
+          </p:cNvSpPr>
+          <p:nvPr>
+            <p:ph sz="quarter" idx="1"/>
+          </p:nvPr>
+        </p:nvSpPr>
+        <p:spPr>
+          <a:xfrm>
+            <a:off x="612648" y="1600200"/>
+            <a:ext cx="8153400" cy="604664"/>
+          </a:xfrm>
+        </p:spPr>
+        <p:txBody>
+          <a:bodyPr/>
+          <a:lstStyle/>
+          <a:p>
+            <a:r>
+              <a:rPr lang="en-US" dirty="0"/>
+              <a:t>Results from the browser</a:t>
+            </a:r>
+          </a:p>
+        </p:txBody>
+      </p:sp>
+      <p:pic>
+        <p:nvPicPr>
+          <p:cNvPr id="10" name="Picture 9"/>
+          <p:cNvPicPr>
+            <a:picLocks noChangeAspect="1"/>
+          </p:cNvPicPr>
+          <p:nvPr/>
+        </p:nvPicPr>
+        <p:blipFill>
+          <a:blip r:embed="rId2"/>
+          <a:stretch>
+            <a:fillRect/>
+          </a:stretch>
+        </p:blipFill>
+        <p:spPr>
+          <a:xfrm>
+            <a:off x="1043608" y="2708920"/>
+            <a:ext cx="3261643" cy="2796782"/>
+          </a:xfrm>
+          <a:prstGeom prst="rect">
+            <a:avLst/>
+          </a:prstGeom>
+        </p:spPr>
+      </p:pic>
+    </p:spTree>
+    <p:extLst>
+      <p:ext uri="{BB962C8B-B14F-4D97-AF65-F5344CB8AC3E}">
+        <p14:creationId xmlns:p14="http://schemas.microsoft.com/office/powerpoint/2010/main" val="2969956274"/>
       </p:ext>
     </p:extLst>
   </p:cSld>
@@ -18670,10 +21961,24 @@
                 <a:latin typeface="Courier New" panose="02070309020205020404" pitchFamily="49" charset="0"/>
                 <a:cs typeface="Courier New" panose="02070309020205020404" pitchFamily="49" charset="0"/>
               </a:rPr>
-              <a:t>; let </a:t>
-            </a:r>
-            <a:r>
-              <a:rPr kumimoji="0" lang="en-US" altLang="en-US" sz="1400" b="1" i="0" u="none" strike="noStrike" cap="none" normalizeH="0" baseline="0" dirty="0" err="1">
+              <a:t>; let i = </a:t>
+            </a:r>
+            <a:r>
+              <a:rPr kumimoji="0" lang="en-US" altLang="en-US" sz="1400" b="1" i="0" u="none" strike="noStrike" cap="none" normalizeH="0" baseline="0" dirty="0">
+                <a:ln>
+                  <a:noFill/>
+                </a:ln>
+                <a:solidFill>
+                  <a:srgbClr val="660E7A"/>
+                </a:solidFill>
+                <a:effectLst/>
+                <a:latin typeface="Courier New" panose="02070309020205020404" pitchFamily="49" charset="0"/>
+                <a:cs typeface="Courier New" panose="02070309020205020404" pitchFamily="49" charset="0"/>
+              </a:rPr>
+              <a:t>index</a:t>
+            </a:r>
+            <a:r>
+              <a:rPr kumimoji="0" lang="en-US" altLang="en-US" sz="1400" b="1" i="0" u="none" strike="noStrike" cap="none" normalizeH="0" baseline="0" dirty="0">
                 <a:ln>
                   <a:noFill/>
                 </a:ln>
@@ -18684,7 +21989,21 @@
                 <a:latin typeface="Courier New" panose="02070309020205020404" pitchFamily="49" charset="0"/>
                 <a:cs typeface="Courier New" panose="02070309020205020404" pitchFamily="49" charset="0"/>
               </a:rPr>
-              <a:t>i</a:t>
+              <a:t>"</a:t>
+            </a:r>
+            <a:r>
+              <a:rPr kumimoji="0" lang="en-US" altLang="en-US" sz="1400" b="0" i="0" u="none" strike="noStrike" cap="none" normalizeH="0" baseline="0" dirty="0">
+                <a:ln>
+                  <a:noFill/>
+                </a:ln>
+                <a:solidFill>
+                  <a:srgbClr val="000000"/>
+                </a:solidFill>
+                <a:effectLst/>
+                <a:latin typeface="Courier New" panose="02070309020205020404" pitchFamily="49" charset="0"/>
+                <a:cs typeface="Courier New" panose="02070309020205020404" pitchFamily="49" charset="0"/>
+              </a:rPr>
+              <a:t>&gt;index of {{</a:t>
             </a:r>
             <a:r>
               <a:rPr kumimoji="0" lang="en-US" altLang="en-US" sz="1400" b="1" i="0" u="none" strike="noStrike" cap="none" normalizeH="0" baseline="0" dirty="0">
@@ -18692,41 +22011,13 @@
                   <a:noFill/>
                 </a:ln>
                 <a:solidFill>
-                  <a:srgbClr val="008000"/>
-                </a:solidFill>
-                <a:effectLst/>
-                <a:latin typeface="Courier New" panose="02070309020205020404" pitchFamily="49" charset="0"/>
-                <a:cs typeface="Courier New" panose="02070309020205020404" pitchFamily="49" charset="0"/>
-              </a:rPr>
-              <a:t> = </a:t>
-            </a:r>
-            <a:r>
-              <a:rPr kumimoji="0" lang="en-US" altLang="en-US" sz="1400" b="1" i="0" u="none" strike="noStrike" cap="none" normalizeH="0" baseline="0" dirty="0">
-                <a:ln>
-                  <a:noFill/>
-                </a:ln>
-                <a:solidFill>
                   <a:srgbClr val="660E7A"/>
                 </a:solidFill>
                 <a:effectLst/>
                 <a:latin typeface="Courier New" panose="02070309020205020404" pitchFamily="49" charset="0"/>
                 <a:cs typeface="Courier New" panose="02070309020205020404" pitchFamily="49" charset="0"/>
               </a:rPr>
-              <a:t>index</a:t>
-            </a:r>
-            <a:r>
-              <a:rPr kumimoji="0" lang="en-US" altLang="en-US" sz="1400" b="1" i="0" u="none" strike="noStrike" cap="none" normalizeH="0" baseline="0" dirty="0">
-                <a:ln>
-                  <a:noFill/>
-                </a:ln>
-                <a:solidFill>
-                  <a:srgbClr val="008000"/>
-                </a:solidFill>
-                <a:effectLst/>
-                <a:latin typeface="Courier New" panose="02070309020205020404" pitchFamily="49" charset="0"/>
-                <a:cs typeface="Courier New" panose="02070309020205020404" pitchFamily="49" charset="0"/>
-              </a:rPr>
-              <a:t>"</a:t>
+              <a:t>val</a:t>
             </a:r>
             <a:r>
               <a:rPr kumimoji="0" lang="en-US" altLang="en-US" sz="1400" b="0" i="0" u="none" strike="noStrike" cap="none" normalizeH="0" baseline="0" dirty="0">
@@ -18740,63 +22031,7 @@
                 <a:latin typeface="Courier New" panose="02070309020205020404" pitchFamily="49" charset="0"/>
                 <a:cs typeface="Courier New" panose="02070309020205020404" pitchFamily="49" charset="0"/>
               </a:rPr>
-              <a:t>&gt;index of {{</a:t>
-            </a:r>
-            <a:r>
-              <a:rPr kumimoji="0" lang="en-US" altLang="en-US" sz="1400" b="1" i="0" u="none" strike="noStrike" cap="none" normalizeH="0" baseline="0" dirty="0">
-                <a:ln>
-                  <a:noFill/>
-                </a:ln>
-                <a:solidFill>
-                  <a:srgbClr val="660E7A"/>
-                </a:solidFill>
-                <a:effectLst/>
-                <a:latin typeface="Courier New" panose="02070309020205020404" pitchFamily="49" charset="0"/>
-                <a:cs typeface="Courier New" panose="02070309020205020404" pitchFamily="49" charset="0"/>
-              </a:rPr>
-              <a:t>val</a:t>
-            </a:r>
-            <a:r>
-              <a:rPr kumimoji="0" lang="en-US" altLang="en-US" sz="1400" b="0" i="0" u="none" strike="noStrike" cap="none" normalizeH="0" baseline="0" dirty="0">
-                <a:ln>
-                  <a:noFill/>
-                </a:ln>
-                <a:solidFill>
-                  <a:srgbClr val="000000"/>
-                </a:solidFill>
-                <a:effectLst/>
-                <a:latin typeface="Courier New" panose="02070309020205020404" pitchFamily="49" charset="0"/>
-                <a:cs typeface="Courier New" panose="02070309020205020404" pitchFamily="49" charset="0"/>
-              </a:rPr>
-              <a:t>}} is: {{</a:t>
-            </a:r>
-            <a:r>
-              <a:rPr kumimoji="0" lang="en-US" altLang="en-US" sz="1400" b="0" i="0" u="none" strike="noStrike" cap="none" normalizeH="0" baseline="0" dirty="0" err="1">
-                <a:ln>
-                  <a:noFill/>
-                </a:ln>
-                <a:solidFill>
-                  <a:srgbClr val="000000"/>
-                </a:solidFill>
-                <a:effectLst/>
-                <a:latin typeface="Courier New" panose="02070309020205020404" pitchFamily="49" charset="0"/>
-                <a:cs typeface="Courier New" panose="02070309020205020404" pitchFamily="49" charset="0"/>
-              </a:rPr>
-              <a:t>i</a:t>
-            </a:r>
-            <a:r>
-              <a:rPr kumimoji="0" lang="en-US" altLang="en-US" sz="1400" b="0" i="0" u="none" strike="noStrike" cap="none" normalizeH="0" baseline="0" dirty="0">
-                <a:ln>
-                  <a:noFill/>
-                </a:ln>
-                <a:solidFill>
-                  <a:srgbClr val="000000"/>
-                </a:solidFill>
-                <a:effectLst/>
-                <a:latin typeface="Courier New" panose="02070309020205020404" pitchFamily="49" charset="0"/>
-                <a:cs typeface="Courier New" panose="02070309020205020404" pitchFamily="49" charset="0"/>
-              </a:rPr>
-              <a:t>}}&lt;/</a:t>
+              <a:t>}} is: {{i}}&lt;/</a:t>
             </a:r>
             <a:r>
               <a:rPr kumimoji="0" lang="en-US" altLang="en-US" sz="1400" b="1" i="0" u="none" strike="noStrike" cap="none" normalizeH="0" baseline="0" dirty="0">
